--- a/ppt/게시판 미니 프로젝트.pptx
+++ b/ppt/게시판 미니 프로젝트.pptx
@@ -10,7 +10,7 @@
     <p:sldId id="258" r:id="rId4"/>
     <p:sldId id="259" r:id="rId5"/>
     <p:sldId id="264" r:id="rId6"/>
-    <p:sldId id="261" r:id="rId7"/>
+    <p:sldId id="265" r:id="rId7"/>
     <p:sldId id="262" r:id="rId8"/>
     <p:sldId id="263" r:id="rId9"/>
   </p:sldIdLst>
@@ -3287,21 +3287,21 @@
           <a:p>
             <a:r>
               <a:rPr lang="en-US" altLang="ko-KR" sz="3200" dirty="0" smtClean="0">
-                <a:latin typeface="HY견고딕" panose="02030600000101010101" pitchFamily="18" charset="-127"/>
-                <a:ea typeface="HY견고딕" panose="02030600000101010101" pitchFamily="18" charset="-127"/>
+                <a:latin typeface="배달의민족 도현" panose="020B0600000101010101" pitchFamily="50" charset="-127"/>
+                <a:ea typeface="배달의민족 도현" panose="020B0600000101010101" pitchFamily="50" charset="-127"/>
               </a:rPr>
               <a:t>MINI PROJECT </a:t>
             </a:r>
             <a:r>
               <a:rPr lang="ko-KR" altLang="en-US" sz="3200" dirty="0" smtClean="0">
-                <a:latin typeface="HY견고딕" panose="02030600000101010101" pitchFamily="18" charset="-127"/>
-                <a:ea typeface="HY견고딕" panose="02030600000101010101" pitchFamily="18" charset="-127"/>
+                <a:latin typeface="배달의민족 도현" panose="020B0600000101010101" pitchFamily="50" charset="-127"/>
+                <a:ea typeface="배달의민족 도현" panose="020B0600000101010101" pitchFamily="50" charset="-127"/>
               </a:rPr>
               <a:t>게시판</a:t>
             </a:r>
             <a:endParaRPr lang="en-US" altLang="ko-KR" sz="3200" dirty="0" smtClean="0">
-              <a:latin typeface="HY견고딕" panose="02030600000101010101" pitchFamily="18" charset="-127"/>
-              <a:ea typeface="HY견고딕" panose="02030600000101010101" pitchFamily="18" charset="-127"/>
+              <a:latin typeface="배달의민족 도현" panose="020B0600000101010101" pitchFamily="50" charset="-127"/>
+              <a:ea typeface="배달의민족 도현" panose="020B0600000101010101" pitchFamily="50" charset="-127"/>
             </a:endParaRPr>
           </a:p>
         </p:txBody>
@@ -3688,14 +3688,14 @@
             </a:pPr>
             <a:r>
               <a:rPr lang="ko-KR" altLang="en-US" sz="2800" dirty="0">
-                <a:latin typeface="나눔바른고딕" panose="020B0603020101020101" pitchFamily="50" charset="-127"/>
-                <a:ea typeface="나눔바른고딕" panose="020B0603020101020101" pitchFamily="50" charset="-127"/>
+                <a:latin typeface="나눔스퀘어_ac Bold" panose="020B0600000101010101" pitchFamily="50" charset="-127"/>
+                <a:ea typeface="나눔스퀘어_ac Bold" panose="020B0600000101010101" pitchFamily="50" charset="-127"/>
               </a:rPr>
               <a:t>데이터 구조 설계</a:t>
             </a:r>
             <a:endParaRPr lang="en-US" altLang="ko-KR" sz="2800" dirty="0">
-              <a:latin typeface="나눔바른고딕" panose="020B0603020101020101" pitchFamily="50" charset="-127"/>
-              <a:ea typeface="나눔바른고딕" panose="020B0603020101020101" pitchFamily="50" charset="-127"/>
+              <a:latin typeface="나눔스퀘어_ac Bold" panose="020B0600000101010101" pitchFamily="50" charset="-127"/>
+              <a:ea typeface="나눔스퀘어_ac Bold" panose="020B0600000101010101" pitchFamily="50" charset="-127"/>
             </a:endParaRPr>
           </a:p>
           <a:p>
@@ -3704,14 +3704,14 @@
             </a:pPr>
             <a:r>
               <a:rPr lang="ko-KR" altLang="en-US" sz="2800" dirty="0">
-                <a:latin typeface="나눔바른고딕" panose="020B0603020101020101" pitchFamily="50" charset="-127"/>
-                <a:ea typeface="나눔바른고딕" panose="020B0603020101020101" pitchFamily="50" charset="-127"/>
+                <a:latin typeface="나눔스퀘어_ac Bold" panose="020B0600000101010101" pitchFamily="50" charset="-127"/>
+                <a:ea typeface="나눔스퀘어_ac Bold" panose="020B0600000101010101" pitchFamily="50" charset="-127"/>
               </a:rPr>
               <a:t>시현</a:t>
             </a:r>
             <a:endParaRPr lang="en-US" altLang="ko-KR" sz="2800" dirty="0">
-              <a:latin typeface="나눔바른고딕" panose="020B0603020101020101" pitchFamily="50" charset="-127"/>
-              <a:ea typeface="나눔바른고딕" panose="020B0603020101020101" pitchFamily="50" charset="-127"/>
+              <a:latin typeface="나눔스퀘어_ac Bold" panose="020B0600000101010101" pitchFamily="50" charset="-127"/>
+              <a:ea typeface="나눔스퀘어_ac Bold" panose="020B0600000101010101" pitchFamily="50" charset="-127"/>
             </a:endParaRPr>
           </a:p>
         </p:txBody>
@@ -4571,7 +4571,7 @@
         <p:spPr>
           <a:xfrm>
             <a:off x="255576" y="276102"/>
-            <a:ext cx="1547218" cy="523220"/>
+            <a:ext cx="505267" cy="523220"/>
           </a:xfrm>
           <a:prstGeom prst="rect">
             <a:avLst/>
@@ -4585,11 +4585,11 @@
           <a:lstStyle/>
           <a:p>
             <a:r>
-              <a:rPr lang="ko-KR" altLang="en-US" sz="2800" dirty="0" smtClean="0">
+              <a:rPr lang="ko-KR" altLang="en-US" sz="2800" dirty="0">
                 <a:latin typeface="나눔바른고딕" panose="020B0603020101020101" pitchFamily="50" charset="-127"/>
                 <a:ea typeface="나눔바른고딕" panose="020B0603020101020101" pitchFamily="50" charset="-127"/>
               </a:rPr>
-              <a:t>마인드 맵</a:t>
+              <a:t>표</a:t>
             </a:r>
             <a:endParaRPr lang="ko-KR" altLang="en-US" sz="2800" dirty="0">
               <a:latin typeface="나눔바른고딕" panose="020B0603020101020101" pitchFamily="50" charset="-127"/>
@@ -4709,15 +4709,7 @@
 
 <file path=ppt/slides/slide6.xml><?xml version="1.0" encoding="utf-8"?>
 <p:sld xmlns:a="http://schemas.openxmlformats.org/drawingml/2006/main" xmlns:r="http://schemas.openxmlformats.org/officeDocument/2006/relationships" xmlns:p="http://schemas.openxmlformats.org/presentationml/2006/main">
-  <p:cSld name="Slide 6">
-    <p:bg>
-      <p:bgPr>
-        <a:solidFill>
-          <a:srgbClr val="FFFFFF"/>
-        </a:solidFill>
-        <a:effectLst/>
-      </p:bgPr>
-    </p:bg>
+  <p:cSld>
     <p:spTree>
       <p:nvGrpSpPr>
         <p:cNvPr id="1" name=""/>
@@ -4740,15 +4732,15 @@
         </p:nvGrpSpPr>
         <p:grpSpPr>
           <a:xfrm>
-            <a:off x="935833" y="2002315"/>
-            <a:ext cx="3737763" cy="152070"/>
-            <a:chOff x="935833" y="2002315"/>
-            <a:chExt cx="3737763" cy="152070"/>
+            <a:off x="2246966" y="1612308"/>
+            <a:ext cx="4212861" cy="4212861"/>
+            <a:chOff x="2246966" y="1612308"/>
+            <a:chExt cx="4212861" cy="4212861"/>
           </a:xfrm>
         </p:grpSpPr>
         <p:pic>
           <p:nvPicPr>
-            <p:cNvPr id="5" name="Object 4"/>
+            <p:cNvPr id="3" name="Object 2"/>
             <p:cNvPicPr>
               <a:picLocks noChangeAspect="1"/>
             </p:cNvPicPr>
@@ -4762,8 +4754,8 @@
           </p:blipFill>
           <p:spPr>
             <a:xfrm>
-              <a:off x="935833" y="2002315"/>
-              <a:ext cx="3737763" cy="152070"/>
+              <a:off x="2246966" y="1612308"/>
+              <a:ext cx="4212861" cy="4212861"/>
             </a:xfrm>
             <a:prstGeom prst="rect">
               <a:avLst/>
@@ -4779,15 +4771,15 @@
         </p:nvGrpSpPr>
         <p:grpSpPr>
           <a:xfrm>
-            <a:off x="7531230" y="772917"/>
-            <a:ext cx="3609643" cy="6183185"/>
-            <a:chOff x="7531230" y="772917"/>
-            <a:chExt cx="3609643" cy="6183185"/>
+            <a:off x="784828" y="2304921"/>
+            <a:ext cx="2827634" cy="2827634"/>
+            <a:chOff x="784828" y="2304921"/>
+            <a:chExt cx="2827634" cy="2827634"/>
           </a:xfrm>
         </p:grpSpPr>
         <p:pic>
           <p:nvPicPr>
-            <p:cNvPr id="8" name="Object 7"/>
+            <p:cNvPr id="6" name="Object 5"/>
             <p:cNvPicPr>
               <a:picLocks noChangeAspect="1"/>
             </p:cNvPicPr>
@@ -4801,8 +4793,8 @@
           </p:blipFill>
           <p:spPr>
             <a:xfrm>
-              <a:off x="7531230" y="772917"/>
-              <a:ext cx="3609643" cy="6183185"/>
+              <a:off x="784828" y="2304921"/>
+              <a:ext cx="2827634" cy="2827634"/>
             </a:xfrm>
             <a:prstGeom prst="rect">
               <a:avLst/>
@@ -4812,114 +4804,99 @@
       </p:grpSp>
       <p:grpSp>
         <p:nvGrpSpPr>
-          <p:cNvPr id="1006" name="그룹 1006"/>
+          <p:cNvPr id="1003" name="그룹 1003"/>
           <p:cNvGrpSpPr/>
           <p:nvPr/>
         </p:nvGrpSpPr>
         <p:grpSpPr>
           <a:xfrm>
-            <a:off x="271173" y="943925"/>
-            <a:ext cx="10249704" cy="225633"/>
-            <a:chOff x="271173" y="943925"/>
-            <a:chExt cx="10249704" cy="225633"/>
+            <a:off x="2939580" y="2304921"/>
+            <a:ext cx="2827634" cy="2827634"/>
+            <a:chOff x="2939580" y="2304921"/>
+            <a:chExt cx="2827634" cy="2827634"/>
           </a:xfrm>
         </p:grpSpPr>
-        <p:grpSp>
-          <p:nvGrpSpPr>
-            <p:cNvPr id="1007" name="그룹 1007"/>
-            <p:cNvGrpSpPr/>
-            <p:nvPr/>
-          </p:nvGrpSpPr>
-          <p:grpSpPr>
-            <a:xfrm>
-              <a:off x="1464102" y="997613"/>
-              <a:ext cx="9056775" cy="171945"/>
-              <a:chOff x="1464102" y="997613"/>
-              <a:chExt cx="9056775" cy="171945"/>
-            </a:xfrm>
-          </p:grpSpPr>
-          <p:grpSp>
-            <p:nvGrpSpPr>
-              <p:cNvPr id="1008" name="그룹 1008"/>
-              <p:cNvGrpSpPr/>
-              <p:nvPr/>
-            </p:nvGrpSpPr>
-            <p:grpSpPr>
-              <a:xfrm>
-                <a:off x="1464102" y="1059890"/>
-                <a:ext cx="8895970" cy="23696"/>
-                <a:chOff x="1464102" y="1059890"/>
-                <a:chExt cx="8895970" cy="23696"/>
-              </a:xfrm>
-            </p:grpSpPr>
-            <p:pic>
-              <p:nvPicPr>
-                <p:cNvPr id="21" name="Object 20"/>
-                <p:cNvPicPr>
-                  <a:picLocks noChangeAspect="1"/>
-                </p:cNvPicPr>
-                <p:nvPr/>
-              </p:nvPicPr>
-              <p:blipFill>
-                <a:blip r:embed="rId4" cstate="print"/>
-                <a:stretch>
-                  <a:fillRect/>
-                </a:stretch>
-              </p:blipFill>
-              <p:spPr>
-                <a:xfrm>
-                  <a:off x="1464102" y="1059890"/>
-                  <a:ext cx="8895970" cy="23696"/>
-                </a:xfrm>
-                <a:prstGeom prst="rect">
-                  <a:avLst/>
-                </a:prstGeom>
-              </p:spPr>
-            </p:pic>
-          </p:grpSp>
-          <p:grpSp>
-            <p:nvGrpSpPr>
-              <p:cNvPr id="1009" name="그룹 1009"/>
-              <p:cNvGrpSpPr/>
-              <p:nvPr/>
-            </p:nvGrpSpPr>
-            <p:grpSpPr>
-              <a:xfrm>
-                <a:off x="10348931" y="997613"/>
-                <a:ext cx="171945" cy="171945"/>
-                <a:chOff x="10348931" y="997613"/>
-                <a:chExt cx="171945" cy="171945"/>
-              </a:xfrm>
-            </p:grpSpPr>
-            <p:pic>
-              <p:nvPicPr>
-                <p:cNvPr id="24" name="Object 23"/>
-                <p:cNvPicPr>
-                  <a:picLocks noChangeAspect="1"/>
-                </p:cNvPicPr>
-                <p:nvPr/>
-              </p:nvPicPr>
-              <p:blipFill>
-                <a:blip r:embed="rId5" cstate="print"/>
-                <a:stretch>
-                  <a:fillRect/>
-                </a:stretch>
-              </p:blipFill>
-              <p:spPr>
-                <a:xfrm>
-                  <a:off x="10348931" y="997613"/>
-                  <a:ext cx="171945" cy="171945"/>
-                </a:xfrm>
-                <a:prstGeom prst="rect">
-                  <a:avLst/>
-                </a:prstGeom>
-              </p:spPr>
-            </p:pic>
-          </p:grpSp>
-        </p:grpSp>
         <p:pic>
           <p:nvPicPr>
-            <p:cNvPr id="27" name="Object 26"/>
+            <p:cNvPr id="9" name="Object 8"/>
+            <p:cNvPicPr>
+              <a:picLocks noChangeAspect="1"/>
+            </p:cNvPicPr>
+            <p:nvPr/>
+          </p:nvPicPr>
+          <p:blipFill>
+            <a:blip r:embed="rId4" cstate="print"/>
+            <a:stretch>
+              <a:fillRect/>
+            </a:stretch>
+          </p:blipFill>
+          <p:spPr>
+            <a:xfrm>
+              <a:off x="2939580" y="2304921"/>
+              <a:ext cx="2827634" cy="2827634"/>
+            </a:xfrm>
+            <a:prstGeom prst="rect">
+              <a:avLst/>
+            </a:prstGeom>
+          </p:spPr>
+        </p:pic>
+      </p:grpSp>
+      <p:grpSp>
+        <p:nvGrpSpPr>
+          <p:cNvPr id="1004" name="그룹 1004"/>
+          <p:cNvGrpSpPr/>
+          <p:nvPr/>
+        </p:nvGrpSpPr>
+        <p:grpSpPr>
+          <a:xfrm>
+            <a:off x="2939580" y="2304921"/>
+            <a:ext cx="2827634" cy="2827634"/>
+            <a:chOff x="2939580" y="2304921"/>
+            <a:chExt cx="2827634" cy="2827634"/>
+          </a:xfrm>
+        </p:grpSpPr>
+        <p:pic>
+          <p:nvPicPr>
+            <p:cNvPr id="12" name="Object 11"/>
+            <p:cNvPicPr>
+              <a:picLocks noChangeAspect="1"/>
+            </p:cNvPicPr>
+            <p:nvPr/>
+          </p:nvPicPr>
+          <p:blipFill>
+            <a:blip r:embed="rId5" cstate="print"/>
+            <a:stretch>
+              <a:fillRect/>
+            </a:stretch>
+          </p:blipFill>
+          <p:spPr>
+            <a:xfrm>
+              <a:off x="2939580" y="2304921"/>
+              <a:ext cx="2827634" cy="2827634"/>
+            </a:xfrm>
+            <a:prstGeom prst="rect">
+              <a:avLst/>
+            </a:prstGeom>
+          </p:spPr>
+        </p:pic>
+      </p:grpSp>
+      <p:grpSp>
+        <p:nvGrpSpPr>
+          <p:cNvPr id="1005" name="그룹 1005"/>
+          <p:cNvGrpSpPr/>
+          <p:nvPr/>
+        </p:nvGrpSpPr>
+        <p:grpSpPr>
+          <a:xfrm>
+            <a:off x="8458943" y="3306710"/>
+            <a:ext cx="1549924" cy="152070"/>
+            <a:chOff x="8458943" y="3306710"/>
+            <a:chExt cx="1549924" cy="152070"/>
+          </a:xfrm>
+        </p:grpSpPr>
+        <p:pic>
+          <p:nvPicPr>
+            <p:cNvPr id="16" name="Object 15"/>
             <p:cNvPicPr>
               <a:picLocks noChangeAspect="1"/>
             </p:cNvPicPr>
@@ -4933,8 +4910,8 @@
           </p:blipFill>
           <p:spPr>
             <a:xfrm>
-              <a:off x="255576" y="928328"/>
-              <a:ext cx="615692" cy="207959"/>
+              <a:off x="8458943" y="3306710"/>
+              <a:ext cx="1549924" cy="152070"/>
             </a:xfrm>
             <a:prstGeom prst="rect">
               <a:avLst/>
@@ -4942,7 +4919,48 @@
           </p:spPr>
         </p:pic>
       </p:grpSp>
+      <p:sp>
+        <p:nvSpPr>
+          <p:cNvPr id="2" name="TextBox 1"/>
+          <p:cNvSpPr txBox="1"/>
+          <p:nvPr/>
+        </p:nvSpPr>
+        <p:spPr>
+          <a:xfrm>
+            <a:off x="3880332" y="3166392"/>
+            <a:ext cx="1098378" cy="707886"/>
+          </a:xfrm>
+          <a:prstGeom prst="rect">
+            <a:avLst/>
+          </a:prstGeom>
+          <a:noFill/>
+        </p:spPr>
+        <p:txBody>
+          <a:bodyPr wrap="none" rtlCol="0">
+            <a:spAutoFit/>
+          </a:bodyPr>
+          <a:lstStyle/>
+          <a:p>
+            <a:r>
+              <a:rPr lang="ko-KR" altLang="en-US" sz="4000" b="1" dirty="0" smtClean="0">
+                <a:latin typeface="나눔바른고딕" panose="020B0603020101020101" pitchFamily="50" charset="-127"/>
+                <a:ea typeface="나눔바른고딕" panose="020B0603020101020101" pitchFamily="50" charset="-127"/>
+              </a:rPr>
+              <a:t>시현</a:t>
+            </a:r>
+            <a:endParaRPr lang="ko-KR" altLang="en-US" sz="4000" b="1" dirty="0">
+              <a:latin typeface="나눔바른고딕" panose="020B0603020101020101" pitchFamily="50" charset="-127"/>
+              <a:ea typeface="나눔바른고딕" panose="020B0603020101020101" pitchFamily="50" charset="-127"/>
+            </a:endParaRPr>
+          </a:p>
+        </p:txBody>
+      </p:sp>
     </p:spTree>
+    <p:extLst>
+      <p:ext uri="{BB962C8B-B14F-4D97-AF65-F5344CB8AC3E}">
+        <p14:creationId xmlns:p14="http://schemas.microsoft.com/office/powerpoint/2010/main" val="1202188366"/>
+      </p:ext>
+    </p:extLst>
   </p:cSld>
   <p:clrMapOvr>
     <a:masterClrMapping/>
@@ -4975,54 +4993,6 @@
           <a:chExt cx="0" cy="0"/>
         </a:xfrm>
       </p:grpSpPr>
-      <p:pic>
-        <p:nvPicPr>
-          <p:cNvPr id="2" name="Object 1"/>
-          <p:cNvPicPr>
-            <a:picLocks noChangeAspect="1"/>
-          </p:cNvPicPr>
-          <p:nvPr/>
-        </p:nvPicPr>
-        <p:blipFill>
-          <a:blip r:embed="rId2" cstate="print"/>
-          <a:stretch>
-            <a:fillRect/>
-          </a:stretch>
-        </p:blipFill>
-        <p:spPr>
-          <a:xfrm>
-            <a:off x="835567" y="2395283"/>
-            <a:ext cx="2634708" cy="1053746"/>
-          </a:xfrm>
-          <a:prstGeom prst="rect">
-            <a:avLst/>
-          </a:prstGeom>
-        </p:spPr>
-      </p:pic>
-      <p:pic>
-        <p:nvPicPr>
-          <p:cNvPr id="3" name="Object 2"/>
-          <p:cNvPicPr>
-            <a:picLocks noChangeAspect="1"/>
-          </p:cNvPicPr>
-          <p:nvPr/>
-        </p:nvPicPr>
-        <p:blipFill>
-          <a:blip r:embed="rId3" cstate="print"/>
-          <a:stretch>
-            <a:fillRect/>
-          </a:stretch>
-        </p:blipFill>
-        <p:spPr>
-          <a:xfrm>
-            <a:off x="902411" y="3862653"/>
-            <a:ext cx="3813972" cy="2194696"/>
-          </a:xfrm>
-          <a:prstGeom prst="rect">
-            <a:avLst/>
-          </a:prstGeom>
-        </p:spPr>
-      </p:pic>
       <p:grpSp>
         <p:nvGrpSpPr>
           <p:cNvPr id="1001" name="그룹 1001"/>
@@ -5046,7 +5016,7 @@
             <p:nvPr/>
           </p:nvPicPr>
           <p:blipFill>
-            <a:blip r:embed="rId4" cstate="print"/>
+            <a:blip r:embed="rId2" cstate="print"/>
             <a:stretch>
               <a:fillRect/>
             </a:stretch>
@@ -5113,7 +5083,7 @@
                 <p:nvPr/>
               </p:nvPicPr>
               <p:blipFill>
-                <a:blip r:embed="rId5" cstate="print"/>
+                <a:blip r:embed="rId3" cstate="print"/>
                 <a:stretch>
                   <a:fillRect/>
                 </a:stretch>
@@ -5152,7 +5122,7 @@
                 <p:nvPr/>
               </p:nvPicPr>
               <p:blipFill>
-                <a:blip r:embed="rId6" cstate="print"/>
+                <a:blip r:embed="rId4" cstate="print"/>
                 <a:stretch>
                   <a:fillRect/>
                 </a:stretch>
@@ -5178,7 +5148,7 @@
             <p:nvPr/>
           </p:nvPicPr>
           <p:blipFill>
-            <a:blip r:embed="rId7" cstate="print"/>
+            <a:blip r:embed="rId5" cstate="print"/>
             <a:stretch>
               <a:fillRect/>
             </a:stretch>
@@ -5194,30 +5164,6 @@
           </p:spPr>
         </p:pic>
       </p:grpSp>
-      <p:pic>
-        <p:nvPicPr>
-          <p:cNvPr id="18" name="Object 17"/>
-          <p:cNvPicPr>
-            <a:picLocks noChangeAspect="1"/>
-          </p:cNvPicPr>
-          <p:nvPr/>
-        </p:nvPicPr>
-        <p:blipFill>
-          <a:blip r:embed="rId8" cstate="print"/>
-          <a:stretch>
-            <a:fillRect/>
-          </a:stretch>
-        </p:blipFill>
-        <p:spPr>
-          <a:xfrm>
-            <a:off x="891271" y="3357601"/>
-            <a:ext cx="1816087" cy="451192"/>
-          </a:xfrm>
-          <a:prstGeom prst="rect">
-            <a:avLst/>
-          </a:prstGeom>
-        </p:spPr>
-      </p:pic>
       <p:grpSp>
         <p:nvGrpSpPr>
           <p:cNvPr id="1006" name="그룹 1006"/>
@@ -5241,7 +5187,7 @@
             <p:nvPr/>
           </p:nvPicPr>
           <p:blipFill>
-            <a:blip r:embed="rId9" cstate="print"/>
+            <a:blip r:embed="rId6" cstate="print"/>
             <a:stretch>
               <a:fillRect/>
             </a:stretch>
@@ -5280,7 +5226,7 @@
             <p:nvPr/>
           </p:nvPicPr>
           <p:blipFill>
-            <a:blip r:embed="rId10" cstate="print"/>
+            <a:blip r:embed="rId7" cstate="print"/>
             <a:stretch>
               <a:fillRect/>
             </a:stretch>
@@ -5319,7 +5265,7 @@
             <p:nvPr/>
           </p:nvPicPr>
           <p:blipFill>
-            <a:blip r:embed="rId11" cstate="print"/>
+            <a:blip r:embed="rId8" cstate="print"/>
             <a:stretch>
               <a:fillRect/>
             </a:stretch>
@@ -5358,7 +5304,7 @@
             <p:nvPr/>
           </p:nvPicPr>
           <p:blipFill>
-            <a:blip r:embed="rId12" cstate="print"/>
+            <a:blip r:embed="rId9" cstate="print"/>
             <a:stretch>
               <a:fillRect/>
             </a:stretch>
@@ -5373,99 +5319,6 @@
             </a:prstGeom>
           </p:spPr>
         </p:pic>
-      </p:grpSp>
-      <p:grpSp>
-        <p:nvGrpSpPr>
-          <p:cNvPr id="1010" name="그룹 1010"/>
-          <p:cNvGrpSpPr/>
-          <p:nvPr/>
-        </p:nvGrpSpPr>
-        <p:grpSpPr>
-          <a:xfrm>
-            <a:off x="7406600" y="2271364"/>
-            <a:ext cx="3019177" cy="3019177"/>
-            <a:chOff x="7406600" y="2271364"/>
-            <a:chExt cx="3019177" cy="3019177"/>
-          </a:xfrm>
-        </p:grpSpPr>
-        <p:grpSp>
-          <p:nvGrpSpPr>
-            <p:cNvPr id="1011" name="그룹 1011"/>
-            <p:cNvGrpSpPr/>
-            <p:nvPr/>
-          </p:nvGrpSpPr>
-          <p:grpSpPr>
-            <a:xfrm>
-              <a:off x="7406600" y="2271364"/>
-              <a:ext cx="3019177" cy="3019177"/>
-              <a:chOff x="7406600" y="2271364"/>
-              <a:chExt cx="3019177" cy="3019177"/>
-            </a:xfrm>
-          </p:grpSpPr>
-          <p:pic>
-            <p:nvPicPr>
-              <p:cNvPr id="33" name="Object 32"/>
-              <p:cNvPicPr>
-                <a:picLocks noChangeAspect="1"/>
-              </p:cNvPicPr>
-              <p:nvPr/>
-            </p:nvPicPr>
-            <p:blipFill>
-              <a:blip r:embed="rId13" cstate="print"/>
-              <a:stretch>
-                <a:fillRect/>
-              </a:stretch>
-            </p:blipFill>
-            <p:spPr>
-              <a:xfrm>
-                <a:off x="7406600" y="2271364"/>
-                <a:ext cx="3019177" cy="3019177"/>
-              </a:xfrm>
-              <a:prstGeom prst="rect">
-                <a:avLst/>
-              </a:prstGeom>
-            </p:spPr>
-          </p:pic>
-        </p:grpSp>
-        <p:grpSp>
-          <p:nvGrpSpPr>
-            <p:cNvPr id="1012" name="그룹 1012"/>
-            <p:cNvGrpSpPr/>
-            <p:nvPr/>
-          </p:nvGrpSpPr>
-          <p:grpSpPr>
-            <a:xfrm>
-              <a:off x="7548181" y="2412945"/>
-              <a:ext cx="2736014" cy="2736014"/>
-              <a:chOff x="7548181" y="2412945"/>
-              <a:chExt cx="2736014" cy="2736014"/>
-            </a:xfrm>
-          </p:grpSpPr>
-          <p:pic>
-            <p:nvPicPr>
-              <p:cNvPr id="36" name="Object 35"/>
-              <p:cNvPicPr>
-                <a:picLocks noChangeAspect="1"/>
-              </p:cNvPicPr>
-              <p:nvPr/>
-            </p:nvPicPr>
-            <p:blipFill>
-              <a:blip r:embed="rId14" cstate="print"/>
-              <a:stretch>
-                <a:fillRect/>
-              </a:stretch>
-            </p:blipFill>
-            <p:spPr>
-              <a:xfrm>
-                <a:off x="7548181" y="2412945"/>
-                <a:ext cx="2736014" cy="2736014"/>
-              </a:xfrm>
-              <a:prstGeom prst="rect">
-                <a:avLst/>
-              </a:prstGeom>
-            </p:spPr>
-          </p:pic>
-        </p:grpSp>
       </p:grpSp>
     </p:spTree>
   </p:cSld>
@@ -5719,30 +5572,6 @@
           </p:spPr>
         </p:pic>
       </p:grpSp>
-      <p:pic>
-        <p:nvPicPr>
-          <p:cNvPr id="18" name="Object 17"/>
-          <p:cNvPicPr>
-            <a:picLocks noChangeAspect="1"/>
-          </p:cNvPicPr>
-          <p:nvPr/>
-        </p:nvPicPr>
-        <p:blipFill>
-          <a:blip r:embed="rId8" cstate="print"/>
-          <a:stretch>
-            <a:fillRect/>
-          </a:stretch>
-        </p:blipFill>
-        <p:spPr>
-          <a:xfrm>
-            <a:off x="4438329" y="3461682"/>
-            <a:ext cx="4050134" cy="1006363"/>
-          </a:xfrm>
-          <a:prstGeom prst="rect">
-            <a:avLst/>
-          </a:prstGeom>
-        </p:spPr>
-      </p:pic>
     </p:spTree>
   </p:cSld>
   <p:clrMapOvr>

--- a/ppt/게시판 미니 프로젝트.pptx
+++ b/ppt/게시판 미니 프로젝트.pptx
@@ -11,8 +11,10 @@
     <p:sldId id="259" r:id="rId5"/>
     <p:sldId id="264" r:id="rId6"/>
     <p:sldId id="265" r:id="rId7"/>
-    <p:sldId id="262" r:id="rId8"/>
-    <p:sldId id="263" r:id="rId9"/>
+    <p:sldId id="267" r:id="rId8"/>
+    <p:sldId id="268" r:id="rId9"/>
+    <p:sldId id="266" r:id="rId10"/>
+    <p:sldId id="263" r:id="rId11"/>
   </p:sldIdLst>
   <p:sldSz cx="10696575" cy="7562850"/>
   <p:notesSz cx="7562850" cy="10696575"/>
@@ -3361,6 +3363,272 @@
   <p:clrMapOvr>
     <a:masterClrMapping/>
   </p:clrMapOvr>
+  <p:timing>
+    <p:tnLst>
+      <p:par>
+        <p:cTn id="1" dur="indefinite" restart="never" nodeType="tmRoot"/>
+      </p:par>
+    </p:tnLst>
+  </p:timing>
+</p:sld>
+</file>
+
+<file path=ppt/slides/slide10.xml><?xml version="1.0" encoding="utf-8"?>
+<p:sld xmlns:a="http://schemas.openxmlformats.org/drawingml/2006/main" xmlns:r="http://schemas.openxmlformats.org/officeDocument/2006/relationships" xmlns:p="http://schemas.openxmlformats.org/presentationml/2006/main">
+  <p:cSld name="Slide 8">
+    <p:bg>
+      <p:bgPr>
+        <a:solidFill>
+          <a:srgbClr val="CCD2F0"/>
+        </a:solidFill>
+        <a:effectLst/>
+      </p:bgPr>
+    </p:bg>
+    <p:spTree>
+      <p:nvGrpSpPr>
+        <p:cNvPr id="1" name=""/>
+        <p:cNvGrpSpPr/>
+        <p:nvPr/>
+      </p:nvGrpSpPr>
+      <p:grpSpPr>
+        <a:xfrm>
+          <a:off x="0" y="0"/>
+          <a:ext cx="0" cy="0"/>
+          <a:chOff x="0" y="0"/>
+          <a:chExt cx="0" cy="0"/>
+        </a:xfrm>
+      </p:grpSpPr>
+      <p:grpSp>
+        <p:nvGrpSpPr>
+          <p:cNvPr id="1001" name="그룹 1001"/>
+          <p:cNvGrpSpPr/>
+          <p:nvPr/>
+        </p:nvGrpSpPr>
+        <p:grpSpPr>
+          <a:xfrm>
+            <a:off x="2246966" y="1612308"/>
+            <a:ext cx="4212861" cy="4212861"/>
+            <a:chOff x="2246966" y="1612308"/>
+            <a:chExt cx="4212861" cy="4212861"/>
+          </a:xfrm>
+        </p:grpSpPr>
+        <p:pic>
+          <p:nvPicPr>
+            <p:cNvPr id="3" name="Object 2"/>
+            <p:cNvPicPr>
+              <a:picLocks noChangeAspect="1"/>
+            </p:cNvPicPr>
+            <p:nvPr/>
+          </p:nvPicPr>
+          <p:blipFill>
+            <a:blip r:embed="rId2" cstate="print"/>
+            <a:stretch>
+              <a:fillRect/>
+            </a:stretch>
+          </p:blipFill>
+          <p:spPr>
+            <a:xfrm>
+              <a:off x="2246966" y="1612308"/>
+              <a:ext cx="4212861" cy="4212861"/>
+            </a:xfrm>
+            <a:prstGeom prst="rect">
+              <a:avLst/>
+            </a:prstGeom>
+          </p:spPr>
+        </p:pic>
+      </p:grpSp>
+      <p:grpSp>
+        <p:nvGrpSpPr>
+          <p:cNvPr id="1002" name="그룹 1002"/>
+          <p:cNvGrpSpPr/>
+          <p:nvPr/>
+        </p:nvGrpSpPr>
+        <p:grpSpPr>
+          <a:xfrm>
+            <a:off x="784828" y="2304921"/>
+            <a:ext cx="2827634" cy="2827634"/>
+            <a:chOff x="784828" y="2304921"/>
+            <a:chExt cx="2827634" cy="2827634"/>
+          </a:xfrm>
+        </p:grpSpPr>
+        <p:pic>
+          <p:nvPicPr>
+            <p:cNvPr id="6" name="Object 5"/>
+            <p:cNvPicPr>
+              <a:picLocks noChangeAspect="1"/>
+            </p:cNvPicPr>
+            <p:nvPr/>
+          </p:nvPicPr>
+          <p:blipFill>
+            <a:blip r:embed="rId3" cstate="print"/>
+            <a:stretch>
+              <a:fillRect/>
+            </a:stretch>
+          </p:blipFill>
+          <p:spPr>
+            <a:xfrm>
+              <a:off x="784828" y="2304921"/>
+              <a:ext cx="2827634" cy="2827634"/>
+            </a:xfrm>
+            <a:prstGeom prst="rect">
+              <a:avLst/>
+            </a:prstGeom>
+          </p:spPr>
+        </p:pic>
+      </p:grpSp>
+      <p:grpSp>
+        <p:nvGrpSpPr>
+          <p:cNvPr id="1003" name="그룹 1003"/>
+          <p:cNvGrpSpPr/>
+          <p:nvPr/>
+        </p:nvGrpSpPr>
+        <p:grpSpPr>
+          <a:xfrm>
+            <a:off x="2939580" y="2304921"/>
+            <a:ext cx="2827634" cy="2827634"/>
+            <a:chOff x="2939580" y="2304921"/>
+            <a:chExt cx="2827634" cy="2827634"/>
+          </a:xfrm>
+        </p:grpSpPr>
+        <p:pic>
+          <p:nvPicPr>
+            <p:cNvPr id="9" name="Object 8"/>
+            <p:cNvPicPr>
+              <a:picLocks noChangeAspect="1"/>
+            </p:cNvPicPr>
+            <p:nvPr/>
+          </p:nvPicPr>
+          <p:blipFill>
+            <a:blip r:embed="rId4" cstate="print"/>
+            <a:stretch>
+              <a:fillRect/>
+            </a:stretch>
+          </p:blipFill>
+          <p:spPr>
+            <a:xfrm>
+              <a:off x="2939580" y="2304921"/>
+              <a:ext cx="2827634" cy="2827634"/>
+            </a:xfrm>
+            <a:prstGeom prst="rect">
+              <a:avLst/>
+            </a:prstGeom>
+          </p:spPr>
+        </p:pic>
+      </p:grpSp>
+      <p:grpSp>
+        <p:nvGrpSpPr>
+          <p:cNvPr id="1004" name="그룹 1004"/>
+          <p:cNvGrpSpPr/>
+          <p:nvPr/>
+        </p:nvGrpSpPr>
+        <p:grpSpPr>
+          <a:xfrm>
+            <a:off x="2939580" y="2304921"/>
+            <a:ext cx="2827634" cy="2827634"/>
+            <a:chOff x="2939580" y="2304921"/>
+            <a:chExt cx="2827634" cy="2827634"/>
+          </a:xfrm>
+        </p:grpSpPr>
+        <p:pic>
+          <p:nvPicPr>
+            <p:cNvPr id="12" name="Object 11"/>
+            <p:cNvPicPr>
+              <a:picLocks noChangeAspect="1"/>
+            </p:cNvPicPr>
+            <p:nvPr/>
+          </p:nvPicPr>
+          <p:blipFill>
+            <a:blip r:embed="rId5" cstate="print"/>
+            <a:stretch>
+              <a:fillRect/>
+            </a:stretch>
+          </p:blipFill>
+          <p:spPr>
+            <a:xfrm>
+              <a:off x="2939580" y="2304921"/>
+              <a:ext cx="2827634" cy="2827634"/>
+            </a:xfrm>
+            <a:prstGeom prst="rect">
+              <a:avLst/>
+            </a:prstGeom>
+          </p:spPr>
+        </p:pic>
+      </p:grpSp>
+      <p:pic>
+        <p:nvPicPr>
+          <p:cNvPr id="14" name="Object 13"/>
+          <p:cNvPicPr>
+            <a:picLocks noChangeAspect="1"/>
+          </p:cNvPicPr>
+          <p:nvPr/>
+        </p:nvPicPr>
+        <p:blipFill>
+          <a:blip r:embed="rId6" cstate="print"/>
+          <a:stretch>
+            <a:fillRect/>
+          </a:stretch>
+        </p:blipFill>
+        <p:spPr>
+          <a:xfrm>
+            <a:off x="4253131" y="2869202"/>
+            <a:ext cx="3525214" cy="1329757"/>
+          </a:xfrm>
+          <a:prstGeom prst="rect">
+            <a:avLst/>
+          </a:prstGeom>
+        </p:spPr>
+      </p:pic>
+      <p:grpSp>
+        <p:nvGrpSpPr>
+          <p:cNvPr id="1005" name="그룹 1005"/>
+          <p:cNvGrpSpPr/>
+          <p:nvPr/>
+        </p:nvGrpSpPr>
+        <p:grpSpPr>
+          <a:xfrm>
+            <a:off x="7879080" y="3306710"/>
+            <a:ext cx="2097571" cy="152070"/>
+            <a:chOff x="7879080" y="3306710"/>
+            <a:chExt cx="2097571" cy="152070"/>
+          </a:xfrm>
+        </p:grpSpPr>
+        <p:pic>
+          <p:nvPicPr>
+            <p:cNvPr id="16" name="Object 15"/>
+            <p:cNvPicPr>
+              <a:picLocks noChangeAspect="1"/>
+            </p:cNvPicPr>
+            <p:nvPr/>
+          </p:nvPicPr>
+          <p:blipFill>
+            <a:blip r:embed="rId7" cstate="print"/>
+            <a:stretch>
+              <a:fillRect/>
+            </a:stretch>
+          </p:blipFill>
+          <p:spPr>
+            <a:xfrm>
+              <a:off x="7879080" y="3306710"/>
+              <a:ext cx="2097571" cy="152070"/>
+            </a:xfrm>
+            <a:prstGeom prst="rect">
+              <a:avLst/>
+            </a:prstGeom>
+          </p:spPr>
+        </p:pic>
+      </p:grpSp>
+    </p:spTree>
+  </p:cSld>
+  <p:clrMapOvr>
+    <a:masterClrMapping/>
+  </p:clrMapOvr>
+  <p:timing>
+    <p:tnLst>
+      <p:par>
+        <p:cTn id="1" dur="indefinite" restart="never" nodeType="tmRoot"/>
+      </p:par>
+    </p:tnLst>
+  </p:timing>
 </p:sld>
 </file>
 
@@ -3671,7 +3939,7 @@
         <p:spPr>
           <a:xfrm>
             <a:off x="5088203" y="3144835"/>
-            <a:ext cx="5346700" cy="954107"/>
+            <a:ext cx="5346700" cy="1384995"/>
           </a:xfrm>
           <a:prstGeom prst="rect">
             <a:avLst/>
@@ -3691,7 +3959,30 @@
                 <a:latin typeface="나눔스퀘어_ac Bold" panose="020B0600000101010101" pitchFamily="50" charset="-127"/>
                 <a:ea typeface="나눔스퀘어_ac Bold" panose="020B0600000101010101" pitchFamily="50" charset="-127"/>
               </a:rPr>
-              <a:t>데이터 구조 설계</a:t>
+              <a:t>데이터 구조 </a:t>
+            </a:r>
+            <a:r>
+              <a:rPr lang="ko-KR" altLang="en-US" sz="2800" dirty="0" smtClean="0">
+                <a:latin typeface="나눔스퀘어_ac Bold" panose="020B0600000101010101" pitchFamily="50" charset="-127"/>
+                <a:ea typeface="나눔스퀘어_ac Bold" panose="020B0600000101010101" pitchFamily="50" charset="-127"/>
+              </a:rPr>
+              <a:t>설계</a:t>
+            </a:r>
+            <a:endParaRPr lang="en-US" altLang="ko-KR" sz="2800" dirty="0" smtClean="0">
+              <a:latin typeface="나눔스퀘어_ac Bold" panose="020B0600000101010101" pitchFamily="50" charset="-127"/>
+              <a:ea typeface="나눔스퀘어_ac Bold" panose="020B0600000101010101" pitchFamily="50" charset="-127"/>
+            </a:endParaRPr>
+          </a:p>
+          <a:p>
+            <a:pPr marL="342900" indent="-342900">
+              <a:buAutoNum type="arabicPeriod"/>
+            </a:pPr>
+            <a:r>
+              <a:rPr lang="ko-KR" altLang="en-US" sz="2800" dirty="0" smtClean="0">
+                <a:latin typeface="나눔스퀘어_ac Bold" panose="020B0600000101010101" pitchFamily="50" charset="-127"/>
+                <a:ea typeface="나눔스퀘어_ac Bold" panose="020B0600000101010101" pitchFamily="50" charset="-127"/>
+              </a:rPr>
+              <a:t>주요 기능 설명</a:t>
             </a:r>
             <a:endParaRPr lang="en-US" altLang="ko-KR" sz="2800" dirty="0">
               <a:latin typeface="나눔스퀘어_ac Bold" panose="020B0600000101010101" pitchFamily="50" charset="-127"/>
@@ -3721,6 +4012,13 @@
   <p:clrMapOvr>
     <a:masterClrMapping/>
   </p:clrMapOvr>
+  <p:timing>
+    <p:tnLst>
+      <p:par>
+        <p:cTn id="1" dur="indefinite" restart="never" nodeType="tmRoot"/>
+      </p:par>
+    </p:tnLst>
+  </p:timing>
 </p:sld>
 </file>
 
@@ -3985,6 +4283,13 @@
   <p:clrMapOvr>
     <a:masterClrMapping/>
   </p:clrMapOvr>
+  <p:timing>
+    <p:tnLst>
+      <p:par>
+        <p:cTn id="1" dur="indefinite" restart="never" nodeType="tmRoot"/>
+      </p:par>
+    </p:tnLst>
+  </p:timing>
 </p:sld>
 </file>
 
@@ -4332,6 +4637,13 @@
   <p:clrMapOvr>
     <a:masterClrMapping/>
   </p:clrMapOvr>
+  <p:timing>
+    <p:tnLst>
+      <p:par>
+        <p:cTn id="1" dur="indefinite" restart="never" nodeType="tmRoot"/>
+      </p:par>
+    </p:tnLst>
+  </p:timing>
 </p:sld>
 </file>
 
@@ -4591,10 +4903,6 @@
               </a:rPr>
               <a:t>표</a:t>
             </a:r>
-            <a:endParaRPr lang="ko-KR" altLang="en-US" sz="2800" dirty="0">
-              <a:latin typeface="나눔바른고딕" panose="020B0603020101020101" pitchFamily="50" charset="-127"/>
-              <a:ea typeface="나눔바른고딕" panose="020B0603020101020101" pitchFamily="50" charset="-127"/>
-            </a:endParaRPr>
           </a:p>
         </p:txBody>
       </p:sp>
@@ -4704,6 +5012,13 @@
   <p:clrMapOvr>
     <a:masterClrMapping/>
   </p:clrMapOvr>
+  <p:timing>
+    <p:tnLst>
+      <p:par>
+        <p:cTn id="1" dur="indefinite" restart="never" nodeType="tmRoot"/>
+      </p:par>
+    </p:tnLst>
+  </p:timing>
 </p:sld>
 </file>
 
@@ -4928,7 +5243,7 @@
         <p:spPr>
           <a:xfrm>
             <a:off x="3880332" y="3166392"/>
-            <a:ext cx="1098378" cy="707886"/>
+            <a:ext cx="3156633" cy="707886"/>
           </a:xfrm>
           <a:prstGeom prst="rect">
             <a:avLst/>
@@ -4946,7 +5261,7 @@
                 <a:latin typeface="나눔바른고딕" panose="020B0603020101020101" pitchFamily="50" charset="-127"/>
                 <a:ea typeface="나눔바른고딕" panose="020B0603020101020101" pitchFamily="50" charset="-127"/>
               </a:rPr>
-              <a:t>시현</a:t>
+              <a:t>주요 기능 설명</a:t>
             </a:r>
             <a:endParaRPr lang="ko-KR" altLang="en-US" sz="4000" b="1" dirty="0">
               <a:latin typeface="나눔바른고딕" panose="020B0603020101020101" pitchFamily="50" charset="-127"/>
@@ -4965,20 +5280,19 @@
   <p:clrMapOvr>
     <a:masterClrMapping/>
   </p:clrMapOvr>
+  <p:timing>
+    <p:tnLst>
+      <p:par>
+        <p:cTn id="1" dur="indefinite" restart="never" nodeType="tmRoot"/>
+      </p:par>
+    </p:tnLst>
+  </p:timing>
 </p:sld>
 </file>
 
 <file path=ppt/slides/slide7.xml><?xml version="1.0" encoding="utf-8"?>
 <p:sld xmlns:a="http://schemas.openxmlformats.org/drawingml/2006/main" xmlns:r="http://schemas.openxmlformats.org/officeDocument/2006/relationships" xmlns:p="http://schemas.openxmlformats.org/presentationml/2006/main">
-  <p:cSld name="Slide 7">
-    <p:bg>
-      <p:bgPr>
-        <a:solidFill>
-          <a:srgbClr val="FFFFFF"/>
-        </a:solidFill>
-        <a:effectLst/>
-      </p:bgPr>
-    </p:bg>
+  <p:cSld>
     <p:spTree>
       <p:nvGrpSpPr>
         <p:cNvPr id="1" name=""/>
@@ -4995,21 +5309,21 @@
       </p:grpSpPr>
       <p:grpSp>
         <p:nvGrpSpPr>
-          <p:cNvPr id="1001" name="그룹 1001"/>
+          <p:cNvPr id="25" name="그룹 24"/>
           <p:cNvGrpSpPr/>
           <p:nvPr/>
         </p:nvGrpSpPr>
         <p:grpSpPr>
           <a:xfrm>
-            <a:off x="935833" y="2002315"/>
-            <a:ext cx="3737763" cy="152070"/>
-            <a:chOff x="935833" y="2002315"/>
-            <a:chExt cx="3737763" cy="152070"/>
+            <a:off x="7173495" y="689833"/>
+            <a:ext cx="3609643" cy="6183185"/>
+            <a:chOff x="7531230" y="772917"/>
+            <a:chExt cx="3609643" cy="6183185"/>
           </a:xfrm>
         </p:grpSpPr>
         <p:pic>
           <p:nvPicPr>
-            <p:cNvPr id="5" name="Object 4"/>
+            <p:cNvPr id="38" name="Object 7"/>
             <p:cNvPicPr>
               <a:picLocks noChangeAspect="1"/>
             </p:cNvPicPr>
@@ -5017,6 +5331,93 @@
           </p:nvPicPr>
           <p:blipFill>
             <a:blip r:embed="rId2" cstate="print"/>
+            <a:stretch>
+              <a:fillRect/>
+            </a:stretch>
+          </p:blipFill>
+          <p:spPr>
+            <a:xfrm>
+              <a:off x="7531230" y="772917"/>
+              <a:ext cx="3609643" cy="6183185"/>
+            </a:xfrm>
+            <a:prstGeom prst="rect">
+              <a:avLst/>
+            </a:prstGeom>
+          </p:spPr>
+        </p:pic>
+      </p:grpSp>
+      <p:sp>
+        <p:nvSpPr>
+          <p:cNvPr id="51" name="직사각형 50"/>
+          <p:cNvSpPr/>
+          <p:nvPr/>
+        </p:nvSpPr>
+        <p:spPr>
+          <a:xfrm>
+            <a:off x="928687" y="1343025"/>
+            <a:ext cx="8915400" cy="4628487"/>
+          </a:xfrm>
+          <a:prstGeom prst="rect">
+            <a:avLst/>
+          </a:prstGeom>
+          <a:solidFill>
+            <a:schemeClr val="bg1"/>
+          </a:solidFill>
+          <a:ln>
+            <a:solidFill>
+              <a:schemeClr val="bg1"/>
+            </a:solidFill>
+          </a:ln>
+        </p:spPr>
+        <p:style>
+          <a:lnRef idx="2">
+            <a:schemeClr val="accent1">
+              <a:shade val="50000"/>
+            </a:schemeClr>
+          </a:lnRef>
+          <a:fillRef idx="1">
+            <a:schemeClr val="accent1"/>
+          </a:fillRef>
+          <a:effectRef idx="0">
+            <a:schemeClr val="accent1"/>
+          </a:effectRef>
+          <a:fontRef idx="minor">
+            <a:schemeClr val="lt1"/>
+          </a:fontRef>
+        </p:style>
+        <p:txBody>
+          <a:bodyPr rtlCol="0" anchor="ctr"/>
+          <a:lstStyle/>
+          <a:p>
+            <a:pPr algn="ctr"/>
+            <a:endParaRPr lang="ko-KR" altLang="en-US"/>
+          </a:p>
+        </p:txBody>
+      </p:sp>
+      <p:grpSp>
+        <p:nvGrpSpPr>
+          <p:cNvPr id="24" name="그룹 23"/>
+          <p:cNvGrpSpPr/>
+          <p:nvPr/>
+        </p:nvGrpSpPr>
+        <p:grpSpPr>
+          <a:xfrm>
+            <a:off x="578098" y="1919231"/>
+            <a:ext cx="3737763" cy="152070"/>
+            <a:chOff x="935833" y="2002315"/>
+            <a:chExt cx="3737763" cy="152070"/>
+          </a:xfrm>
+        </p:grpSpPr>
+        <p:pic>
+          <p:nvPicPr>
+            <p:cNvPr id="39" name="Object 4"/>
+            <p:cNvPicPr>
+              <a:picLocks noChangeAspect="1"/>
+            </p:cNvPicPr>
+            <p:nvPr/>
+          </p:nvPicPr>
+          <p:blipFill>
+            <a:blip r:embed="rId3" cstate="print"/>
             <a:stretch>
               <a:fillRect/>
             </a:stretch>
@@ -5034,35 +5435,35 @@
       </p:grpSp>
       <p:grpSp>
         <p:nvGrpSpPr>
-          <p:cNvPr id="1002" name="그룹 1002"/>
+          <p:cNvPr id="27" name="그룹 26"/>
           <p:cNvGrpSpPr/>
           <p:nvPr/>
         </p:nvGrpSpPr>
         <p:grpSpPr>
           <a:xfrm>
-            <a:off x="271173" y="943925"/>
-            <a:ext cx="10249704" cy="225633"/>
-            <a:chOff x="271173" y="943925"/>
-            <a:chExt cx="10249704" cy="225633"/>
+            <a:off x="90487" y="845244"/>
+            <a:ext cx="10265300" cy="241230"/>
+            <a:chOff x="255576" y="928328"/>
+            <a:chExt cx="10265300" cy="241230"/>
           </a:xfrm>
         </p:grpSpPr>
         <p:grpSp>
           <p:nvGrpSpPr>
-            <p:cNvPr id="1003" name="그룹 1003"/>
+            <p:cNvPr id="28" name="그룹 27"/>
             <p:cNvGrpSpPr/>
             <p:nvPr/>
           </p:nvGrpSpPr>
           <p:grpSpPr>
             <a:xfrm>
               <a:off x="1464102" y="997613"/>
-              <a:ext cx="9056775" cy="171945"/>
+              <a:ext cx="9056774" cy="171945"/>
               <a:chOff x="1464102" y="997613"/>
-              <a:chExt cx="9056775" cy="171945"/>
+              <a:chExt cx="9056774" cy="171945"/>
             </a:xfrm>
           </p:grpSpPr>
           <p:grpSp>
             <p:nvGrpSpPr>
-              <p:cNvPr id="1004" name="그룹 1004"/>
+              <p:cNvPr id="30" name="그룹 29"/>
               <p:cNvGrpSpPr/>
               <p:nvPr/>
             </p:nvGrpSpPr>
@@ -5076,14 +5477,14 @@
             </p:grpSpPr>
             <p:pic>
               <p:nvPicPr>
-                <p:cNvPr id="10" name="Object 9"/>
+                <p:cNvPr id="33" name="Object 20"/>
                 <p:cNvPicPr>
                   <a:picLocks noChangeAspect="1"/>
                 </p:cNvPicPr>
                 <p:nvPr/>
               </p:nvPicPr>
               <p:blipFill>
-                <a:blip r:embed="rId3" cstate="print"/>
+                <a:blip r:embed="rId4" cstate="print"/>
                 <a:stretch>
                   <a:fillRect/>
                 </a:stretch>
@@ -5101,7 +5502,7 @@
           </p:grpSp>
           <p:grpSp>
             <p:nvGrpSpPr>
-              <p:cNvPr id="1005" name="그룹 1005"/>
+              <p:cNvPr id="31" name="그룹 30"/>
               <p:cNvGrpSpPr/>
               <p:nvPr/>
             </p:nvGrpSpPr>
@@ -5115,14 +5516,14 @@
             </p:grpSpPr>
             <p:pic>
               <p:nvPicPr>
-                <p:cNvPr id="13" name="Object 12"/>
+                <p:cNvPr id="32" name="Object 23"/>
                 <p:cNvPicPr>
                   <a:picLocks noChangeAspect="1"/>
                 </p:cNvPicPr>
                 <p:nvPr/>
               </p:nvPicPr>
               <p:blipFill>
-                <a:blip r:embed="rId4" cstate="print"/>
+                <a:blip r:embed="rId5" cstate="print"/>
                 <a:stretch>
                   <a:fillRect/>
                 </a:stretch>
@@ -5141,14 +5542,14 @@
         </p:grpSp>
         <p:pic>
           <p:nvPicPr>
-            <p:cNvPr id="16" name="Object 15"/>
+            <p:cNvPr id="29" name="Object 26"/>
             <p:cNvPicPr>
               <a:picLocks noChangeAspect="1"/>
             </p:cNvPicPr>
             <p:nvPr/>
           </p:nvPicPr>
           <p:blipFill>
-            <a:blip r:embed="rId5" cstate="print"/>
+            <a:blip r:embed="rId6" cstate="print"/>
             <a:stretch>
               <a:fillRect/>
             </a:stretch>
@@ -5164,23 +5565,619 @@
           </p:spPr>
         </p:pic>
       </p:grpSp>
+      <p:sp>
+        <p:nvSpPr>
+          <p:cNvPr id="40" name="TextBox 39"/>
+          <p:cNvSpPr txBox="1"/>
+          <p:nvPr/>
+        </p:nvSpPr>
+        <p:spPr>
+          <a:xfrm>
+            <a:off x="1299013" y="1190625"/>
+            <a:ext cx="184731" cy="369332"/>
+          </a:xfrm>
+          <a:prstGeom prst="rect">
+            <a:avLst/>
+          </a:prstGeom>
+          <a:noFill/>
+        </p:spPr>
+        <p:txBody>
+          <a:bodyPr wrap="none" rtlCol="0">
+            <a:spAutoFit/>
+          </a:bodyPr>
+          <a:lstStyle/>
+          <a:p>
+            <a:endParaRPr lang="ko-KR" altLang="en-US" dirty="0"/>
+          </a:p>
+        </p:txBody>
+      </p:sp>
+      <p:sp>
+        <p:nvSpPr>
+          <p:cNvPr id="41" name="TextBox 40"/>
+          <p:cNvSpPr txBox="1"/>
+          <p:nvPr/>
+        </p:nvSpPr>
+        <p:spPr>
+          <a:xfrm>
+            <a:off x="565479" y="1396011"/>
+            <a:ext cx="1467068" cy="523220"/>
+          </a:xfrm>
+          <a:prstGeom prst="rect">
+            <a:avLst/>
+          </a:prstGeom>
+          <a:noFill/>
+        </p:spPr>
+        <p:txBody>
+          <a:bodyPr wrap="none" rtlCol="0">
+            <a:spAutoFit/>
+          </a:bodyPr>
+          <a:lstStyle/>
+          <a:p>
+            <a:r>
+              <a:rPr lang="ko-KR" altLang="en-US" sz="2800" dirty="0" smtClean="0">
+                <a:latin typeface="나눔바른고딕" panose="020B0603020101020101" pitchFamily="50" charset="-127"/>
+                <a:ea typeface="나눔바른고딕" panose="020B0603020101020101" pitchFamily="50" charset="-127"/>
+              </a:rPr>
+              <a:t>회원가입</a:t>
+            </a:r>
+            <a:endParaRPr lang="ko-KR" altLang="en-US" sz="2800" dirty="0">
+              <a:latin typeface="나눔바른고딕" panose="020B0603020101020101" pitchFamily="50" charset="-127"/>
+              <a:ea typeface="나눔바른고딕" panose="020B0603020101020101" pitchFamily="50" charset="-127"/>
+            </a:endParaRPr>
+          </a:p>
+        </p:txBody>
+      </p:sp>
+      <p:sp>
+        <p:nvSpPr>
+          <p:cNvPr id="42" name="TextBox 41"/>
+          <p:cNvSpPr txBox="1"/>
+          <p:nvPr/>
+        </p:nvSpPr>
+        <p:spPr>
+          <a:xfrm>
+            <a:off x="548269" y="2124617"/>
+            <a:ext cx="5654112" cy="1754326"/>
+          </a:xfrm>
+          <a:prstGeom prst="rect">
+            <a:avLst/>
+          </a:prstGeom>
+          <a:noFill/>
+        </p:spPr>
+        <p:txBody>
+          <a:bodyPr wrap="none" rtlCol="0">
+            <a:spAutoFit/>
+          </a:bodyPr>
+          <a:lstStyle/>
+          <a:p>
+            <a:pPr marL="285750" indent="-285750">
+              <a:buFont typeface="Arial" panose="020B0604020202020204" pitchFamily="34" charset="0"/>
+              <a:buChar char="•"/>
+            </a:pPr>
+            <a:r>
+              <a:rPr lang="ko-KR" altLang="en-US" dirty="0" smtClean="0">
+                <a:latin typeface="나눔바른고딕" panose="020B0603020101020101" pitchFamily="50" charset="-127"/>
+                <a:ea typeface="나눔바른고딕" panose="020B0603020101020101" pitchFamily="50" charset="-127"/>
+              </a:rPr>
+              <a:t>아이디 중복 불가능</a:t>
+            </a:r>
+            <a:endParaRPr lang="en-US" altLang="ko-KR" dirty="0" smtClean="0">
+              <a:latin typeface="나눔바른고딕" panose="020B0603020101020101" pitchFamily="50" charset="-127"/>
+              <a:ea typeface="나눔바른고딕" panose="020B0603020101020101" pitchFamily="50" charset="-127"/>
+            </a:endParaRPr>
+          </a:p>
+          <a:p>
+            <a:pPr marL="285750" indent="-285750">
+              <a:buFont typeface="Arial" panose="020B0604020202020204" pitchFamily="34" charset="0"/>
+              <a:buChar char="•"/>
+            </a:pPr>
+            <a:r>
+              <a:rPr lang="ko-KR" altLang="en-US" dirty="0" smtClean="0">
+                <a:latin typeface="나눔바른고딕" panose="020B0603020101020101" pitchFamily="50" charset="-127"/>
+                <a:ea typeface="나눔바른고딕" panose="020B0603020101020101" pitchFamily="50" charset="-127"/>
+              </a:rPr>
+              <a:t>아이디</a:t>
+            </a:r>
+            <a:r>
+              <a:rPr lang="en-US" altLang="ko-KR" dirty="0" smtClean="0">
+                <a:latin typeface="나눔바른고딕" panose="020B0603020101020101" pitchFamily="50" charset="-127"/>
+                <a:ea typeface="나눔바른고딕" panose="020B0603020101020101" pitchFamily="50" charset="-127"/>
+              </a:rPr>
+              <a:t>, </a:t>
+            </a:r>
+            <a:r>
+              <a:rPr lang="ko-KR" altLang="en-US" dirty="0" smtClean="0">
+                <a:latin typeface="나눔바른고딕" panose="020B0603020101020101" pitchFamily="50" charset="-127"/>
+                <a:ea typeface="나눔바른고딕" panose="020B0603020101020101" pitchFamily="50" charset="-127"/>
+              </a:rPr>
+              <a:t>비밀번호 길이 체크</a:t>
+            </a:r>
+            <a:endParaRPr lang="en-US" altLang="ko-KR" dirty="0" smtClean="0">
+              <a:latin typeface="나눔바른고딕" panose="020B0603020101020101" pitchFamily="50" charset="-127"/>
+              <a:ea typeface="나눔바른고딕" panose="020B0603020101020101" pitchFamily="50" charset="-127"/>
+            </a:endParaRPr>
+          </a:p>
+          <a:p>
+            <a:pPr marL="285750" indent="-285750">
+              <a:buFont typeface="Arial" panose="020B0604020202020204" pitchFamily="34" charset="0"/>
+              <a:buChar char="•"/>
+            </a:pPr>
+            <a:r>
+              <a:rPr lang="ko-KR" altLang="en-US" dirty="0" smtClean="0">
+                <a:latin typeface="나눔바른고딕" panose="020B0603020101020101" pitchFamily="50" charset="-127"/>
+                <a:ea typeface="나눔바른고딕" panose="020B0603020101020101" pitchFamily="50" charset="-127"/>
+              </a:rPr>
+              <a:t>동일인물 가입 방지</a:t>
+            </a:r>
+            <a:r>
+              <a:rPr lang="en-US" altLang="ko-KR" dirty="0" smtClean="0">
+                <a:latin typeface="나눔바른고딕" panose="020B0603020101020101" pitchFamily="50" charset="-127"/>
+                <a:ea typeface="나눔바른고딕" panose="020B0603020101020101" pitchFamily="50" charset="-127"/>
+              </a:rPr>
+              <a:t>(</a:t>
+            </a:r>
+            <a:r>
+              <a:rPr lang="ko-KR" altLang="en-US" dirty="0" smtClean="0">
+                <a:latin typeface="나눔바른고딕" panose="020B0603020101020101" pitchFamily="50" charset="-127"/>
+                <a:ea typeface="나눔바른고딕" panose="020B0603020101020101" pitchFamily="50" charset="-127"/>
+              </a:rPr>
+              <a:t>주민번호 기준으로 판단</a:t>
+            </a:r>
+            <a:r>
+              <a:rPr lang="en-US" altLang="ko-KR" dirty="0" smtClean="0">
+                <a:latin typeface="나눔바른고딕" panose="020B0603020101020101" pitchFamily="50" charset="-127"/>
+                <a:ea typeface="나눔바른고딕" panose="020B0603020101020101" pitchFamily="50" charset="-127"/>
+              </a:rPr>
+              <a:t>)</a:t>
+            </a:r>
+          </a:p>
+          <a:p>
+            <a:pPr marL="285750" indent="-285750">
+              <a:buFont typeface="Arial" panose="020B0604020202020204" pitchFamily="34" charset="0"/>
+              <a:buChar char="•"/>
+            </a:pPr>
+            <a:r>
+              <a:rPr lang="ko-KR" altLang="en-US" dirty="0" smtClean="0">
+                <a:latin typeface="나눔바른고딕" panose="020B0603020101020101" pitchFamily="50" charset="-127"/>
+                <a:ea typeface="나눔바른고딕" panose="020B0603020101020101" pitchFamily="50" charset="-127"/>
+              </a:rPr>
+              <a:t>입력 값이 없을 때는 메시지를 띄우고 다시 입력 값을 받음</a:t>
+            </a:r>
+            <a:endParaRPr lang="en-US" altLang="ko-KR" dirty="0" smtClean="0">
+              <a:latin typeface="나눔바른고딕" panose="020B0603020101020101" pitchFamily="50" charset="-127"/>
+              <a:ea typeface="나눔바른고딕" panose="020B0603020101020101" pitchFamily="50" charset="-127"/>
+            </a:endParaRPr>
+          </a:p>
+          <a:p>
+            <a:pPr marL="285750" indent="-285750">
+              <a:buFont typeface="Arial" panose="020B0604020202020204" pitchFamily="34" charset="0"/>
+              <a:buChar char="•"/>
+            </a:pPr>
+            <a:r>
+              <a:rPr lang="ko-KR" altLang="en-US" dirty="0" smtClean="0">
+                <a:latin typeface="나눔바른고딕" panose="020B0603020101020101" pitchFamily="50" charset="-127"/>
+                <a:ea typeface="나눔바른고딕" panose="020B0603020101020101" pitchFamily="50" charset="-127"/>
+              </a:rPr>
+              <a:t>회원 파일에 데이터 추가</a:t>
+            </a:r>
+            <a:endParaRPr lang="en-US" altLang="ko-KR" dirty="0" smtClean="0">
+              <a:latin typeface="나눔바른고딕" panose="020B0603020101020101" pitchFamily="50" charset="-127"/>
+              <a:ea typeface="나눔바른고딕" panose="020B0603020101020101" pitchFamily="50" charset="-127"/>
+            </a:endParaRPr>
+          </a:p>
+          <a:p>
+            <a:pPr marL="285750" indent="-285750">
+              <a:buFont typeface="Arial" panose="020B0604020202020204" pitchFamily="34" charset="0"/>
+              <a:buChar char="•"/>
+            </a:pPr>
+            <a:endParaRPr lang="ko-KR" altLang="en-US" dirty="0">
+              <a:latin typeface="나눔바른고딕" panose="020B0603020101020101" pitchFamily="50" charset="-127"/>
+              <a:ea typeface="나눔바른고딕" panose="020B0603020101020101" pitchFamily="50" charset="-127"/>
+            </a:endParaRPr>
+          </a:p>
+        </p:txBody>
+      </p:sp>
       <p:grpSp>
         <p:nvGrpSpPr>
-          <p:cNvPr id="1006" name="그룹 1006"/>
+          <p:cNvPr id="43" name="그룹 42"/>
           <p:cNvGrpSpPr/>
           <p:nvPr/>
         </p:nvGrpSpPr>
         <p:grpSpPr>
           <a:xfrm>
-            <a:off x="6809758" y="1612308"/>
-            <a:ext cx="4212861" cy="4212861"/>
-            <a:chOff x="6809758" y="1612308"/>
-            <a:chExt cx="4212861" cy="4212861"/>
+            <a:off x="565479" y="4467225"/>
+            <a:ext cx="3737763" cy="152070"/>
+            <a:chOff x="935833" y="2002315"/>
+            <a:chExt cx="3737763" cy="152070"/>
           </a:xfrm>
         </p:grpSpPr>
         <p:pic>
           <p:nvPicPr>
-            <p:cNvPr id="20" name="Object 19"/>
+            <p:cNvPr id="44" name="Object 4"/>
+            <p:cNvPicPr>
+              <a:picLocks noChangeAspect="1"/>
+            </p:cNvPicPr>
+            <p:nvPr/>
+          </p:nvPicPr>
+          <p:blipFill>
+            <a:blip r:embed="rId3" cstate="print"/>
+            <a:stretch>
+              <a:fillRect/>
+            </a:stretch>
+          </p:blipFill>
+          <p:spPr>
+            <a:xfrm>
+              <a:off x="935833" y="2002315"/>
+              <a:ext cx="3737763" cy="152070"/>
+            </a:xfrm>
+            <a:prstGeom prst="rect">
+              <a:avLst/>
+            </a:prstGeom>
+          </p:spPr>
+        </p:pic>
+      </p:grpSp>
+      <p:sp>
+        <p:nvSpPr>
+          <p:cNvPr id="47" name="TextBox 46"/>
+          <p:cNvSpPr txBox="1"/>
+          <p:nvPr/>
+        </p:nvSpPr>
+        <p:spPr>
+          <a:xfrm>
+            <a:off x="578098" y="3944005"/>
+            <a:ext cx="2589170" cy="523220"/>
+          </a:xfrm>
+          <a:prstGeom prst="rect">
+            <a:avLst/>
+          </a:prstGeom>
+          <a:noFill/>
+        </p:spPr>
+        <p:txBody>
+          <a:bodyPr wrap="none" rtlCol="0">
+            <a:spAutoFit/>
+          </a:bodyPr>
+          <a:lstStyle/>
+          <a:p>
+            <a:r>
+              <a:rPr lang="ko-KR" altLang="en-US" sz="2800" dirty="0" smtClean="0">
+                <a:latin typeface="나눔바른고딕" panose="020B0603020101020101" pitchFamily="50" charset="-127"/>
+                <a:ea typeface="나눔바른고딕" panose="020B0603020101020101" pitchFamily="50" charset="-127"/>
+              </a:rPr>
+              <a:t>운영자 계정 생성</a:t>
+            </a:r>
+            <a:endParaRPr lang="ko-KR" altLang="en-US" sz="2800" dirty="0">
+              <a:latin typeface="나눔바른고딕" panose="020B0603020101020101" pitchFamily="50" charset="-127"/>
+              <a:ea typeface="나눔바른고딕" panose="020B0603020101020101" pitchFamily="50" charset="-127"/>
+            </a:endParaRPr>
+          </a:p>
+        </p:txBody>
+      </p:sp>
+      <p:sp>
+        <p:nvSpPr>
+          <p:cNvPr id="50" name="TextBox 49"/>
+          <p:cNvSpPr txBox="1"/>
+          <p:nvPr/>
+        </p:nvSpPr>
+        <p:spPr>
+          <a:xfrm>
+            <a:off x="542654" y="4695825"/>
+            <a:ext cx="8988358" cy="369332"/>
+          </a:xfrm>
+          <a:prstGeom prst="rect">
+            <a:avLst/>
+          </a:prstGeom>
+          <a:noFill/>
+        </p:spPr>
+        <p:txBody>
+          <a:bodyPr wrap="none" rtlCol="0">
+            <a:spAutoFit/>
+          </a:bodyPr>
+          <a:lstStyle/>
+          <a:p>
+            <a:pPr marL="285750" indent="-285750">
+              <a:buFont typeface="Arial" panose="020B0604020202020204" pitchFamily="34" charset="0"/>
+              <a:buChar char="•"/>
+            </a:pPr>
+            <a:r>
+              <a:rPr lang="ko-KR" altLang="en-US" dirty="0" smtClean="0">
+                <a:latin typeface="나눔바른고딕" panose="020B0603020101020101" pitchFamily="50" charset="-127"/>
+                <a:ea typeface="나눔바른고딕" panose="020B0603020101020101" pitchFamily="50" charset="-127"/>
+              </a:rPr>
+              <a:t>일반 회원가입 메뉴에서는 운영자 가입이 불가능해서 운영자 계정을 생성하는 </a:t>
+            </a:r>
+            <a:r>
+              <a:rPr lang="ko-KR" altLang="en-US" dirty="0" err="1" smtClean="0">
+                <a:latin typeface="나눔바른고딕" panose="020B0603020101020101" pitchFamily="50" charset="-127"/>
+                <a:ea typeface="나눔바른고딕" panose="020B0603020101020101" pitchFamily="50" charset="-127"/>
+              </a:rPr>
+              <a:t>메소드를</a:t>
+            </a:r>
+            <a:r>
+              <a:rPr lang="ko-KR" altLang="en-US" dirty="0" smtClean="0">
+                <a:latin typeface="나눔바른고딕" panose="020B0603020101020101" pitchFamily="50" charset="-127"/>
+                <a:ea typeface="나눔바른고딕" panose="020B0603020101020101" pitchFamily="50" charset="-127"/>
+              </a:rPr>
+              <a:t> 생성함</a:t>
+            </a:r>
+            <a:endParaRPr lang="ko-KR" altLang="en-US" dirty="0">
+              <a:latin typeface="나눔바른고딕" panose="020B0603020101020101" pitchFamily="50" charset="-127"/>
+              <a:ea typeface="나눔바른고딕" panose="020B0603020101020101" pitchFamily="50" charset="-127"/>
+            </a:endParaRPr>
+          </a:p>
+        </p:txBody>
+      </p:sp>
+    </p:spTree>
+    <p:extLst>
+      <p:ext uri="{BB962C8B-B14F-4D97-AF65-F5344CB8AC3E}">
+        <p14:creationId xmlns:p14="http://schemas.microsoft.com/office/powerpoint/2010/main" val="2024054439"/>
+      </p:ext>
+    </p:extLst>
+  </p:cSld>
+  <p:clrMapOvr>
+    <a:masterClrMapping/>
+  </p:clrMapOvr>
+  <p:timing>
+    <p:tnLst>
+      <p:par>
+        <p:cTn id="1" dur="indefinite" restart="never" nodeType="tmRoot"/>
+      </p:par>
+    </p:tnLst>
+  </p:timing>
+</p:sld>
+</file>
+
+<file path=ppt/slides/slide8.xml><?xml version="1.0" encoding="utf-8"?>
+<p:sld xmlns:a="http://schemas.openxmlformats.org/drawingml/2006/main" xmlns:r="http://schemas.openxmlformats.org/officeDocument/2006/relationships" xmlns:p="http://schemas.openxmlformats.org/presentationml/2006/main">
+  <p:cSld>
+    <p:spTree>
+      <p:nvGrpSpPr>
+        <p:cNvPr id="1" name=""/>
+        <p:cNvGrpSpPr/>
+        <p:nvPr/>
+      </p:nvGrpSpPr>
+      <p:grpSpPr>
+        <a:xfrm>
+          <a:off x="0" y="0"/>
+          <a:ext cx="0" cy="0"/>
+          <a:chOff x="0" y="0"/>
+          <a:chExt cx="0" cy="0"/>
+        </a:xfrm>
+      </p:grpSpPr>
+      <p:grpSp>
+        <p:nvGrpSpPr>
+          <p:cNvPr id="25" name="그룹 24"/>
+          <p:cNvGrpSpPr/>
+          <p:nvPr/>
+        </p:nvGrpSpPr>
+        <p:grpSpPr>
+          <a:xfrm>
+            <a:off x="7173495" y="689833"/>
+            <a:ext cx="3609643" cy="6183185"/>
+            <a:chOff x="7531230" y="772917"/>
+            <a:chExt cx="3609643" cy="6183185"/>
+          </a:xfrm>
+        </p:grpSpPr>
+        <p:pic>
+          <p:nvPicPr>
+            <p:cNvPr id="38" name="Object 7"/>
+            <p:cNvPicPr>
+              <a:picLocks noChangeAspect="1"/>
+            </p:cNvPicPr>
+            <p:nvPr/>
+          </p:nvPicPr>
+          <p:blipFill>
+            <a:blip r:embed="rId2" cstate="print"/>
+            <a:stretch>
+              <a:fillRect/>
+            </a:stretch>
+          </p:blipFill>
+          <p:spPr>
+            <a:xfrm>
+              <a:off x="7531230" y="772917"/>
+              <a:ext cx="3609643" cy="6183185"/>
+            </a:xfrm>
+            <a:prstGeom prst="rect">
+              <a:avLst/>
+            </a:prstGeom>
+          </p:spPr>
+        </p:pic>
+      </p:grpSp>
+      <p:sp>
+        <p:nvSpPr>
+          <p:cNvPr id="51" name="직사각형 50"/>
+          <p:cNvSpPr/>
+          <p:nvPr/>
+        </p:nvSpPr>
+        <p:spPr>
+          <a:xfrm>
+            <a:off x="928687" y="1343025"/>
+            <a:ext cx="8915400" cy="4628487"/>
+          </a:xfrm>
+          <a:prstGeom prst="rect">
+            <a:avLst/>
+          </a:prstGeom>
+          <a:solidFill>
+            <a:schemeClr val="bg1"/>
+          </a:solidFill>
+          <a:ln>
+            <a:solidFill>
+              <a:schemeClr val="bg1"/>
+            </a:solidFill>
+          </a:ln>
+        </p:spPr>
+        <p:style>
+          <a:lnRef idx="2">
+            <a:schemeClr val="accent1">
+              <a:shade val="50000"/>
+            </a:schemeClr>
+          </a:lnRef>
+          <a:fillRef idx="1">
+            <a:schemeClr val="accent1"/>
+          </a:fillRef>
+          <a:effectRef idx="0">
+            <a:schemeClr val="accent1"/>
+          </a:effectRef>
+          <a:fontRef idx="minor">
+            <a:schemeClr val="lt1"/>
+          </a:fontRef>
+        </p:style>
+        <p:txBody>
+          <a:bodyPr rtlCol="0" anchor="ctr"/>
+          <a:lstStyle/>
+          <a:p>
+            <a:pPr algn="ctr"/>
+            <a:endParaRPr lang="ko-KR" altLang="en-US"/>
+          </a:p>
+        </p:txBody>
+      </p:sp>
+      <p:grpSp>
+        <p:nvGrpSpPr>
+          <p:cNvPr id="24" name="그룹 23"/>
+          <p:cNvGrpSpPr/>
+          <p:nvPr/>
+        </p:nvGrpSpPr>
+        <p:grpSpPr>
+          <a:xfrm>
+            <a:off x="578098" y="1919231"/>
+            <a:ext cx="3737763" cy="152070"/>
+            <a:chOff x="935833" y="2002315"/>
+            <a:chExt cx="3737763" cy="152070"/>
+          </a:xfrm>
+        </p:grpSpPr>
+        <p:pic>
+          <p:nvPicPr>
+            <p:cNvPr id="39" name="Object 4"/>
+            <p:cNvPicPr>
+              <a:picLocks noChangeAspect="1"/>
+            </p:cNvPicPr>
+            <p:nvPr/>
+          </p:nvPicPr>
+          <p:blipFill>
+            <a:blip r:embed="rId3" cstate="print"/>
+            <a:stretch>
+              <a:fillRect/>
+            </a:stretch>
+          </p:blipFill>
+          <p:spPr>
+            <a:xfrm>
+              <a:off x="935833" y="2002315"/>
+              <a:ext cx="3737763" cy="152070"/>
+            </a:xfrm>
+            <a:prstGeom prst="rect">
+              <a:avLst/>
+            </a:prstGeom>
+          </p:spPr>
+        </p:pic>
+      </p:grpSp>
+      <p:grpSp>
+        <p:nvGrpSpPr>
+          <p:cNvPr id="27" name="그룹 26"/>
+          <p:cNvGrpSpPr/>
+          <p:nvPr/>
+        </p:nvGrpSpPr>
+        <p:grpSpPr>
+          <a:xfrm>
+            <a:off x="90487" y="845244"/>
+            <a:ext cx="10265300" cy="241230"/>
+            <a:chOff x="255576" y="928328"/>
+            <a:chExt cx="10265300" cy="241230"/>
+          </a:xfrm>
+        </p:grpSpPr>
+        <p:grpSp>
+          <p:nvGrpSpPr>
+            <p:cNvPr id="28" name="그룹 27"/>
+            <p:cNvGrpSpPr/>
+            <p:nvPr/>
+          </p:nvGrpSpPr>
+          <p:grpSpPr>
+            <a:xfrm>
+              <a:off x="1464102" y="997613"/>
+              <a:ext cx="9056774" cy="171945"/>
+              <a:chOff x="1464102" y="997613"/>
+              <a:chExt cx="9056774" cy="171945"/>
+            </a:xfrm>
+          </p:grpSpPr>
+          <p:grpSp>
+            <p:nvGrpSpPr>
+              <p:cNvPr id="30" name="그룹 29"/>
+              <p:cNvGrpSpPr/>
+              <p:nvPr/>
+            </p:nvGrpSpPr>
+            <p:grpSpPr>
+              <a:xfrm>
+                <a:off x="1464102" y="1059890"/>
+                <a:ext cx="8895970" cy="23696"/>
+                <a:chOff x="1464102" y="1059890"/>
+                <a:chExt cx="8895970" cy="23696"/>
+              </a:xfrm>
+            </p:grpSpPr>
+            <p:pic>
+              <p:nvPicPr>
+                <p:cNvPr id="33" name="Object 20"/>
+                <p:cNvPicPr>
+                  <a:picLocks noChangeAspect="1"/>
+                </p:cNvPicPr>
+                <p:nvPr/>
+              </p:nvPicPr>
+              <p:blipFill>
+                <a:blip r:embed="rId4" cstate="print"/>
+                <a:stretch>
+                  <a:fillRect/>
+                </a:stretch>
+              </p:blipFill>
+              <p:spPr>
+                <a:xfrm>
+                  <a:off x="1464102" y="1059890"/>
+                  <a:ext cx="8895970" cy="23696"/>
+                </a:xfrm>
+                <a:prstGeom prst="rect">
+                  <a:avLst/>
+                </a:prstGeom>
+              </p:spPr>
+            </p:pic>
+          </p:grpSp>
+          <p:grpSp>
+            <p:nvGrpSpPr>
+              <p:cNvPr id="31" name="그룹 30"/>
+              <p:cNvGrpSpPr/>
+              <p:nvPr/>
+            </p:nvGrpSpPr>
+            <p:grpSpPr>
+              <a:xfrm>
+                <a:off x="10348931" y="997613"/>
+                <a:ext cx="171945" cy="171945"/>
+                <a:chOff x="10348931" y="997613"/>
+                <a:chExt cx="171945" cy="171945"/>
+              </a:xfrm>
+            </p:grpSpPr>
+            <p:pic>
+              <p:nvPicPr>
+                <p:cNvPr id="32" name="Object 23"/>
+                <p:cNvPicPr>
+                  <a:picLocks noChangeAspect="1"/>
+                </p:cNvPicPr>
+                <p:nvPr/>
+              </p:nvPicPr>
+              <p:blipFill>
+                <a:blip r:embed="rId5" cstate="print"/>
+                <a:stretch>
+                  <a:fillRect/>
+                </a:stretch>
+              </p:blipFill>
+              <p:spPr>
+                <a:xfrm>
+                  <a:off x="10348931" y="997613"/>
+                  <a:ext cx="171945" cy="171945"/>
+                </a:xfrm>
+                <a:prstGeom prst="rect">
+                  <a:avLst/>
+                </a:prstGeom>
+              </p:spPr>
+            </p:pic>
+          </p:grpSp>
+        </p:grpSp>
+        <p:pic>
+          <p:nvPicPr>
+            <p:cNvPr id="29" name="Object 26"/>
             <p:cNvPicPr>
               <a:picLocks noChangeAspect="1"/>
             </p:cNvPicPr>
@@ -5194,8 +6191,8 @@
           </p:blipFill>
           <p:spPr>
             <a:xfrm>
-              <a:off x="6809758" y="1612308"/>
-              <a:ext cx="4212861" cy="4212861"/>
+              <a:off x="255576" y="928328"/>
+              <a:ext cx="615692" cy="207959"/>
             </a:xfrm>
             <a:prstGeom prst="rect">
               <a:avLst/>
@@ -5203,142 +6200,131 @@
           </p:spPr>
         </p:pic>
       </p:grpSp>
-      <p:grpSp>
-        <p:nvGrpSpPr>
-          <p:cNvPr id="1007" name="그룹 1007"/>
-          <p:cNvGrpSpPr/>
+      <p:sp>
+        <p:nvSpPr>
+          <p:cNvPr id="40" name="TextBox 39"/>
+          <p:cNvSpPr txBox="1"/>
           <p:nvPr/>
-        </p:nvGrpSpPr>
-        <p:grpSpPr>
-          <a:xfrm>
-            <a:off x="5347619" y="2304921"/>
-            <a:ext cx="2827634" cy="2827634"/>
-            <a:chOff x="5347619" y="2304921"/>
-            <a:chExt cx="2827634" cy="2827634"/>
-          </a:xfrm>
-        </p:grpSpPr>
-        <p:pic>
-          <p:nvPicPr>
-            <p:cNvPr id="23" name="Object 22"/>
-            <p:cNvPicPr>
-              <a:picLocks noChangeAspect="1"/>
-            </p:cNvPicPr>
-            <p:nvPr/>
-          </p:nvPicPr>
-          <p:blipFill>
-            <a:blip r:embed="rId7" cstate="print"/>
-            <a:stretch>
-              <a:fillRect/>
-            </a:stretch>
-          </p:blipFill>
-          <p:spPr>
-            <a:xfrm>
-              <a:off x="5347619" y="2304921"/>
-              <a:ext cx="2827634" cy="2827634"/>
-            </a:xfrm>
-            <a:prstGeom prst="rect">
-              <a:avLst/>
-            </a:prstGeom>
-          </p:spPr>
-        </p:pic>
-      </p:grpSp>
-      <p:grpSp>
-        <p:nvGrpSpPr>
-          <p:cNvPr id="1008" name="그룹 1008"/>
-          <p:cNvGrpSpPr/>
+        </p:nvSpPr>
+        <p:spPr>
+          <a:xfrm>
+            <a:off x="1299013" y="1190625"/>
+            <a:ext cx="184731" cy="369332"/>
+          </a:xfrm>
+          <a:prstGeom prst="rect">
+            <a:avLst/>
+          </a:prstGeom>
+          <a:noFill/>
+        </p:spPr>
+        <p:txBody>
+          <a:bodyPr wrap="none" rtlCol="0">
+            <a:spAutoFit/>
+          </a:bodyPr>
+          <a:lstStyle/>
+          <a:p>
+            <a:endParaRPr lang="ko-KR" altLang="en-US" dirty="0"/>
+          </a:p>
+        </p:txBody>
+      </p:sp>
+      <p:sp>
+        <p:nvSpPr>
+          <p:cNvPr id="41" name="TextBox 40"/>
+          <p:cNvSpPr txBox="1"/>
           <p:nvPr/>
-        </p:nvGrpSpPr>
-        <p:grpSpPr>
-          <a:xfrm>
-            <a:off x="7502371" y="2304921"/>
-            <a:ext cx="2827634" cy="2827634"/>
-            <a:chOff x="7502371" y="2304921"/>
-            <a:chExt cx="2827634" cy="2827634"/>
-          </a:xfrm>
-        </p:grpSpPr>
-        <p:pic>
-          <p:nvPicPr>
-            <p:cNvPr id="26" name="Object 25"/>
-            <p:cNvPicPr>
-              <a:picLocks noChangeAspect="1"/>
-            </p:cNvPicPr>
-            <p:nvPr/>
-          </p:nvPicPr>
-          <p:blipFill>
-            <a:blip r:embed="rId8" cstate="print"/>
-            <a:stretch>
-              <a:fillRect/>
-            </a:stretch>
-          </p:blipFill>
-          <p:spPr>
-            <a:xfrm>
-              <a:off x="7502371" y="2304921"/>
-              <a:ext cx="2827634" cy="2827634"/>
-            </a:xfrm>
-            <a:prstGeom prst="rect">
-              <a:avLst/>
-            </a:prstGeom>
-          </p:spPr>
-        </p:pic>
-      </p:grpSp>
-      <p:grpSp>
-        <p:nvGrpSpPr>
-          <p:cNvPr id="1009" name="그룹 1009"/>
-          <p:cNvGrpSpPr/>
+        </p:nvSpPr>
+        <p:spPr>
+          <a:xfrm>
+            <a:off x="565479" y="1396011"/>
+            <a:ext cx="1226618" cy="523220"/>
+          </a:xfrm>
+          <a:prstGeom prst="rect">
+            <a:avLst/>
+          </a:prstGeom>
+          <a:noFill/>
+        </p:spPr>
+        <p:txBody>
+          <a:bodyPr wrap="none" rtlCol="0">
+            <a:spAutoFit/>
+          </a:bodyPr>
+          <a:lstStyle/>
+          <a:p>
+            <a:r>
+              <a:rPr lang="ko-KR" altLang="en-US" sz="2800" dirty="0" smtClean="0">
+                <a:latin typeface="나눔바른고딕" panose="020B0603020101020101" pitchFamily="50" charset="-127"/>
+                <a:ea typeface="나눔바른고딕" panose="020B0603020101020101" pitchFamily="50" charset="-127"/>
+              </a:rPr>
+              <a:t>글 작성</a:t>
+            </a:r>
+            <a:endParaRPr lang="ko-KR" altLang="en-US" sz="2800" dirty="0">
+              <a:latin typeface="나눔바른고딕" panose="020B0603020101020101" pitchFamily="50" charset="-127"/>
+              <a:ea typeface="나눔바른고딕" panose="020B0603020101020101" pitchFamily="50" charset="-127"/>
+            </a:endParaRPr>
+          </a:p>
+        </p:txBody>
+      </p:sp>
+      <p:sp>
+        <p:nvSpPr>
+          <p:cNvPr id="42" name="TextBox 41"/>
+          <p:cNvSpPr txBox="1"/>
           <p:nvPr/>
-        </p:nvGrpSpPr>
-        <p:grpSpPr>
-          <a:xfrm>
-            <a:off x="7502371" y="2304921"/>
-            <a:ext cx="2827634" cy="2827634"/>
-            <a:chOff x="7502371" y="2304921"/>
-            <a:chExt cx="2827634" cy="2827634"/>
-          </a:xfrm>
-        </p:grpSpPr>
-        <p:pic>
-          <p:nvPicPr>
-            <p:cNvPr id="29" name="Object 28"/>
-            <p:cNvPicPr>
-              <a:picLocks noChangeAspect="1"/>
-            </p:cNvPicPr>
-            <p:nvPr/>
-          </p:nvPicPr>
-          <p:blipFill>
-            <a:blip r:embed="rId9" cstate="print"/>
-            <a:stretch>
-              <a:fillRect/>
-            </a:stretch>
-          </p:blipFill>
-          <p:spPr>
-            <a:xfrm>
-              <a:off x="7502371" y="2304921"/>
-              <a:ext cx="2827634" cy="2827634"/>
-            </a:xfrm>
-            <a:prstGeom prst="rect">
-              <a:avLst/>
-            </a:prstGeom>
-          </p:spPr>
-        </p:pic>
-      </p:grpSp>
+        </p:nvSpPr>
+        <p:spPr>
+          <a:xfrm>
+            <a:off x="548269" y="2124617"/>
+            <a:ext cx="2114681" cy="369332"/>
+          </a:xfrm>
+          <a:prstGeom prst="rect">
+            <a:avLst/>
+          </a:prstGeom>
+          <a:noFill/>
+        </p:spPr>
+        <p:txBody>
+          <a:bodyPr wrap="none" rtlCol="0">
+            <a:spAutoFit/>
+          </a:bodyPr>
+          <a:lstStyle/>
+          <a:p>
+            <a:pPr marL="285750" indent="-285750">
+              <a:buFont typeface="Arial" panose="020B0604020202020204" pitchFamily="34" charset="0"/>
+              <a:buChar char="•"/>
+            </a:pPr>
+            <a:r>
+              <a:rPr lang="ko-KR" altLang="en-US" dirty="0" smtClean="0">
+                <a:latin typeface="나눔바른고딕" panose="020B0603020101020101" pitchFamily="50" charset="-127"/>
+                <a:ea typeface="나눔바른고딕" panose="020B0603020101020101" pitchFamily="50" charset="-127"/>
+              </a:rPr>
+              <a:t>입력 값이 없을 때 </a:t>
+            </a:r>
+            <a:endParaRPr lang="ko-KR" altLang="en-US" dirty="0">
+              <a:latin typeface="나눔바른고딕" panose="020B0603020101020101" pitchFamily="50" charset="-127"/>
+              <a:ea typeface="나눔바른고딕" panose="020B0603020101020101" pitchFamily="50" charset="-127"/>
+            </a:endParaRPr>
+          </a:p>
+        </p:txBody>
+      </p:sp>
     </p:spTree>
+    <p:extLst>
+      <p:ext uri="{BB962C8B-B14F-4D97-AF65-F5344CB8AC3E}">
+        <p14:creationId xmlns:p14="http://schemas.microsoft.com/office/powerpoint/2010/main" val="2842742577"/>
+      </p:ext>
+    </p:extLst>
   </p:cSld>
   <p:clrMapOvr>
     <a:masterClrMapping/>
   </p:clrMapOvr>
+  <p:timing>
+    <p:tnLst>
+      <p:par>
+        <p:cTn id="1" dur="indefinite" restart="never" nodeType="tmRoot"/>
+      </p:par>
+    </p:tnLst>
+  </p:timing>
 </p:sld>
 </file>
 
-<file path=ppt/slides/slide8.xml><?xml version="1.0" encoding="utf-8"?>
+<file path=ppt/slides/slide9.xml><?xml version="1.0" encoding="utf-8"?>
 <p:sld xmlns:a="http://schemas.openxmlformats.org/drawingml/2006/main" xmlns:r="http://schemas.openxmlformats.org/officeDocument/2006/relationships" xmlns:p="http://schemas.openxmlformats.org/presentationml/2006/main">
-  <p:cSld name="Slide 8">
-    <p:bg>
-      <p:bgPr>
-        <a:solidFill>
-          <a:srgbClr val="CCD2F0"/>
-        </a:solidFill>
-        <a:effectLst/>
-      </p:bgPr>
-    </p:bg>
+  <p:cSld>
     <p:spTree>
       <p:nvGrpSpPr>
         <p:cNvPr id="1" name=""/>
@@ -5509,30 +6495,6 @@
           </p:spPr>
         </p:pic>
       </p:grpSp>
-      <p:pic>
-        <p:nvPicPr>
-          <p:cNvPr id="14" name="Object 13"/>
-          <p:cNvPicPr>
-            <a:picLocks noChangeAspect="1"/>
-          </p:cNvPicPr>
-          <p:nvPr/>
-        </p:nvPicPr>
-        <p:blipFill>
-          <a:blip r:embed="rId6" cstate="print"/>
-          <a:stretch>
-            <a:fillRect/>
-          </a:stretch>
-        </p:blipFill>
-        <p:spPr>
-          <a:xfrm>
-            <a:off x="4253131" y="2869202"/>
-            <a:ext cx="3525214" cy="1329757"/>
-          </a:xfrm>
-          <a:prstGeom prst="rect">
-            <a:avLst/>
-          </a:prstGeom>
-        </p:spPr>
-      </p:pic>
       <p:grpSp>
         <p:nvGrpSpPr>
           <p:cNvPr id="1005" name="그룹 1005"/>
@@ -5541,10 +6503,10 @@
         </p:nvGrpSpPr>
         <p:grpSpPr>
           <a:xfrm>
-            <a:off x="7879080" y="3306710"/>
-            <a:ext cx="2097571" cy="152070"/>
-            <a:chOff x="7879080" y="3306710"/>
-            <a:chExt cx="2097571" cy="152070"/>
+            <a:off x="8458943" y="3306710"/>
+            <a:ext cx="1549924" cy="152070"/>
+            <a:chOff x="8458943" y="3306710"/>
+            <a:chExt cx="1549924" cy="152070"/>
           </a:xfrm>
         </p:grpSpPr>
         <p:pic>
@@ -5556,15 +6518,15 @@
             <p:nvPr/>
           </p:nvPicPr>
           <p:blipFill>
-            <a:blip r:embed="rId7" cstate="print"/>
+            <a:blip r:embed="rId6" cstate="print"/>
             <a:stretch>
               <a:fillRect/>
             </a:stretch>
           </p:blipFill>
           <p:spPr>
             <a:xfrm>
-              <a:off x="7879080" y="3306710"/>
-              <a:ext cx="2097571" cy="152070"/>
+              <a:off x="8458943" y="3306710"/>
+              <a:ext cx="1549924" cy="152070"/>
             </a:xfrm>
             <a:prstGeom prst="rect">
               <a:avLst/>
@@ -5572,11 +6534,59 @@
           </p:spPr>
         </p:pic>
       </p:grpSp>
+      <p:sp>
+        <p:nvSpPr>
+          <p:cNvPr id="2" name="TextBox 1"/>
+          <p:cNvSpPr txBox="1"/>
+          <p:nvPr/>
+        </p:nvSpPr>
+        <p:spPr>
+          <a:xfrm>
+            <a:off x="3880332" y="3166392"/>
+            <a:ext cx="1098378" cy="707886"/>
+          </a:xfrm>
+          <a:prstGeom prst="rect">
+            <a:avLst/>
+          </a:prstGeom>
+          <a:noFill/>
+        </p:spPr>
+        <p:txBody>
+          <a:bodyPr wrap="none" rtlCol="0">
+            <a:spAutoFit/>
+          </a:bodyPr>
+          <a:lstStyle/>
+          <a:p>
+            <a:r>
+              <a:rPr lang="ko-KR" altLang="en-US" sz="4000" b="1" dirty="0" smtClean="0">
+                <a:latin typeface="나눔바른고딕" panose="020B0603020101020101" pitchFamily="50" charset="-127"/>
+                <a:ea typeface="나눔바른고딕" panose="020B0603020101020101" pitchFamily="50" charset="-127"/>
+              </a:rPr>
+              <a:t>시현</a:t>
+            </a:r>
+            <a:endParaRPr lang="ko-KR" altLang="en-US" sz="4000" b="1" dirty="0">
+              <a:latin typeface="나눔바른고딕" panose="020B0603020101020101" pitchFamily="50" charset="-127"/>
+              <a:ea typeface="나눔바른고딕" panose="020B0603020101020101" pitchFamily="50" charset="-127"/>
+            </a:endParaRPr>
+          </a:p>
+        </p:txBody>
+      </p:sp>
     </p:spTree>
+    <p:extLst>
+      <p:ext uri="{BB962C8B-B14F-4D97-AF65-F5344CB8AC3E}">
+        <p14:creationId xmlns:p14="http://schemas.microsoft.com/office/powerpoint/2010/main" val="4223355114"/>
+      </p:ext>
+    </p:extLst>
   </p:cSld>
   <p:clrMapOvr>
     <a:masterClrMapping/>
   </p:clrMapOvr>
+  <p:timing>
+    <p:tnLst>
+      <p:par>
+        <p:cTn id="1" dur="indefinite" restart="never" nodeType="tmRoot"/>
+      </p:par>
+    </p:tnLst>
+  </p:timing>
 </p:sld>
 </file>
 

--- a/ppt/게시판 미니 프로젝트.pptx
+++ b/ppt/게시판 미니 프로젝트.pptx
@@ -13,8 +13,9 @@
     <p:sldId id="265" r:id="rId7"/>
     <p:sldId id="267" r:id="rId8"/>
     <p:sldId id="268" r:id="rId9"/>
-    <p:sldId id="266" r:id="rId10"/>
-    <p:sldId id="263" r:id="rId11"/>
+    <p:sldId id="269" r:id="rId10"/>
+    <p:sldId id="266" r:id="rId11"/>
+    <p:sldId id="263" r:id="rId12"/>
   </p:sldIdLst>
   <p:sldSz cx="10696575" cy="7562850"/>
   <p:notesSz cx="7562850" cy="10696575"/>
@@ -3375,6 +3376,274 @@
 
 <file path=ppt/slides/slide10.xml><?xml version="1.0" encoding="utf-8"?>
 <p:sld xmlns:a="http://schemas.openxmlformats.org/drawingml/2006/main" xmlns:r="http://schemas.openxmlformats.org/officeDocument/2006/relationships" xmlns:p="http://schemas.openxmlformats.org/presentationml/2006/main">
+  <p:cSld>
+    <p:spTree>
+      <p:nvGrpSpPr>
+        <p:cNvPr id="1" name=""/>
+        <p:cNvGrpSpPr/>
+        <p:nvPr/>
+      </p:nvGrpSpPr>
+      <p:grpSpPr>
+        <a:xfrm>
+          <a:off x="0" y="0"/>
+          <a:ext cx="0" cy="0"/>
+          <a:chOff x="0" y="0"/>
+          <a:chExt cx="0" cy="0"/>
+        </a:xfrm>
+      </p:grpSpPr>
+      <p:grpSp>
+        <p:nvGrpSpPr>
+          <p:cNvPr id="1001" name="그룹 1001"/>
+          <p:cNvGrpSpPr/>
+          <p:nvPr/>
+        </p:nvGrpSpPr>
+        <p:grpSpPr>
+          <a:xfrm>
+            <a:off x="2246966" y="1612308"/>
+            <a:ext cx="4212861" cy="4212861"/>
+            <a:chOff x="2246966" y="1612308"/>
+            <a:chExt cx="4212861" cy="4212861"/>
+          </a:xfrm>
+        </p:grpSpPr>
+        <p:pic>
+          <p:nvPicPr>
+            <p:cNvPr id="3" name="Object 2"/>
+            <p:cNvPicPr>
+              <a:picLocks noChangeAspect="1"/>
+            </p:cNvPicPr>
+            <p:nvPr/>
+          </p:nvPicPr>
+          <p:blipFill>
+            <a:blip r:embed="rId2" cstate="print"/>
+            <a:stretch>
+              <a:fillRect/>
+            </a:stretch>
+          </p:blipFill>
+          <p:spPr>
+            <a:xfrm>
+              <a:off x="2246966" y="1612308"/>
+              <a:ext cx="4212861" cy="4212861"/>
+            </a:xfrm>
+            <a:prstGeom prst="rect">
+              <a:avLst/>
+            </a:prstGeom>
+          </p:spPr>
+        </p:pic>
+      </p:grpSp>
+      <p:grpSp>
+        <p:nvGrpSpPr>
+          <p:cNvPr id="1002" name="그룹 1002"/>
+          <p:cNvGrpSpPr/>
+          <p:nvPr/>
+        </p:nvGrpSpPr>
+        <p:grpSpPr>
+          <a:xfrm>
+            <a:off x="784828" y="2304921"/>
+            <a:ext cx="2827634" cy="2827634"/>
+            <a:chOff x="784828" y="2304921"/>
+            <a:chExt cx="2827634" cy="2827634"/>
+          </a:xfrm>
+        </p:grpSpPr>
+        <p:pic>
+          <p:nvPicPr>
+            <p:cNvPr id="6" name="Object 5"/>
+            <p:cNvPicPr>
+              <a:picLocks noChangeAspect="1"/>
+            </p:cNvPicPr>
+            <p:nvPr/>
+          </p:nvPicPr>
+          <p:blipFill>
+            <a:blip r:embed="rId3" cstate="print"/>
+            <a:stretch>
+              <a:fillRect/>
+            </a:stretch>
+          </p:blipFill>
+          <p:spPr>
+            <a:xfrm>
+              <a:off x="784828" y="2304921"/>
+              <a:ext cx="2827634" cy="2827634"/>
+            </a:xfrm>
+            <a:prstGeom prst="rect">
+              <a:avLst/>
+            </a:prstGeom>
+          </p:spPr>
+        </p:pic>
+      </p:grpSp>
+      <p:grpSp>
+        <p:nvGrpSpPr>
+          <p:cNvPr id="1003" name="그룹 1003"/>
+          <p:cNvGrpSpPr/>
+          <p:nvPr/>
+        </p:nvGrpSpPr>
+        <p:grpSpPr>
+          <a:xfrm>
+            <a:off x="2939580" y="2304921"/>
+            <a:ext cx="2827634" cy="2827634"/>
+            <a:chOff x="2939580" y="2304921"/>
+            <a:chExt cx="2827634" cy="2827634"/>
+          </a:xfrm>
+        </p:grpSpPr>
+        <p:pic>
+          <p:nvPicPr>
+            <p:cNvPr id="9" name="Object 8"/>
+            <p:cNvPicPr>
+              <a:picLocks noChangeAspect="1"/>
+            </p:cNvPicPr>
+            <p:nvPr/>
+          </p:nvPicPr>
+          <p:blipFill>
+            <a:blip r:embed="rId4" cstate="print"/>
+            <a:stretch>
+              <a:fillRect/>
+            </a:stretch>
+          </p:blipFill>
+          <p:spPr>
+            <a:xfrm>
+              <a:off x="2939580" y="2304921"/>
+              <a:ext cx="2827634" cy="2827634"/>
+            </a:xfrm>
+            <a:prstGeom prst="rect">
+              <a:avLst/>
+            </a:prstGeom>
+          </p:spPr>
+        </p:pic>
+      </p:grpSp>
+      <p:grpSp>
+        <p:nvGrpSpPr>
+          <p:cNvPr id="1004" name="그룹 1004"/>
+          <p:cNvGrpSpPr/>
+          <p:nvPr/>
+        </p:nvGrpSpPr>
+        <p:grpSpPr>
+          <a:xfrm>
+            <a:off x="2939580" y="2304921"/>
+            <a:ext cx="2827634" cy="2827634"/>
+            <a:chOff x="2939580" y="2304921"/>
+            <a:chExt cx="2827634" cy="2827634"/>
+          </a:xfrm>
+        </p:grpSpPr>
+        <p:pic>
+          <p:nvPicPr>
+            <p:cNvPr id="12" name="Object 11"/>
+            <p:cNvPicPr>
+              <a:picLocks noChangeAspect="1"/>
+            </p:cNvPicPr>
+            <p:nvPr/>
+          </p:nvPicPr>
+          <p:blipFill>
+            <a:blip r:embed="rId5" cstate="print"/>
+            <a:stretch>
+              <a:fillRect/>
+            </a:stretch>
+          </p:blipFill>
+          <p:spPr>
+            <a:xfrm>
+              <a:off x="2939580" y="2304921"/>
+              <a:ext cx="2827634" cy="2827634"/>
+            </a:xfrm>
+            <a:prstGeom prst="rect">
+              <a:avLst/>
+            </a:prstGeom>
+          </p:spPr>
+        </p:pic>
+      </p:grpSp>
+      <p:grpSp>
+        <p:nvGrpSpPr>
+          <p:cNvPr id="1005" name="그룹 1005"/>
+          <p:cNvGrpSpPr/>
+          <p:nvPr/>
+        </p:nvGrpSpPr>
+        <p:grpSpPr>
+          <a:xfrm>
+            <a:off x="8458943" y="3306710"/>
+            <a:ext cx="1549924" cy="152070"/>
+            <a:chOff x="8458943" y="3306710"/>
+            <a:chExt cx="1549924" cy="152070"/>
+          </a:xfrm>
+        </p:grpSpPr>
+        <p:pic>
+          <p:nvPicPr>
+            <p:cNvPr id="16" name="Object 15"/>
+            <p:cNvPicPr>
+              <a:picLocks noChangeAspect="1"/>
+            </p:cNvPicPr>
+            <p:nvPr/>
+          </p:nvPicPr>
+          <p:blipFill>
+            <a:blip r:embed="rId6" cstate="print"/>
+            <a:stretch>
+              <a:fillRect/>
+            </a:stretch>
+          </p:blipFill>
+          <p:spPr>
+            <a:xfrm>
+              <a:off x="8458943" y="3306710"/>
+              <a:ext cx="1549924" cy="152070"/>
+            </a:xfrm>
+            <a:prstGeom prst="rect">
+              <a:avLst/>
+            </a:prstGeom>
+          </p:spPr>
+        </p:pic>
+      </p:grpSp>
+      <p:sp>
+        <p:nvSpPr>
+          <p:cNvPr id="2" name="TextBox 1"/>
+          <p:cNvSpPr txBox="1"/>
+          <p:nvPr/>
+        </p:nvSpPr>
+        <p:spPr>
+          <a:xfrm>
+            <a:off x="3880332" y="3166392"/>
+            <a:ext cx="1098378" cy="707886"/>
+          </a:xfrm>
+          <a:prstGeom prst="rect">
+            <a:avLst/>
+          </a:prstGeom>
+          <a:noFill/>
+        </p:spPr>
+        <p:txBody>
+          <a:bodyPr wrap="none" rtlCol="0">
+            <a:spAutoFit/>
+          </a:bodyPr>
+          <a:lstStyle/>
+          <a:p>
+            <a:r>
+              <a:rPr lang="ko-KR" altLang="en-US" sz="4000" b="1" dirty="0" smtClean="0">
+                <a:latin typeface="나눔바른고딕" panose="020B0603020101020101" pitchFamily="50" charset="-127"/>
+                <a:ea typeface="나눔바른고딕" panose="020B0603020101020101" pitchFamily="50" charset="-127"/>
+              </a:rPr>
+              <a:t>시현</a:t>
+            </a:r>
+            <a:endParaRPr lang="ko-KR" altLang="en-US" sz="4000" b="1" dirty="0">
+              <a:latin typeface="나눔바른고딕" panose="020B0603020101020101" pitchFamily="50" charset="-127"/>
+              <a:ea typeface="나눔바른고딕" panose="020B0603020101020101" pitchFamily="50" charset="-127"/>
+            </a:endParaRPr>
+          </a:p>
+        </p:txBody>
+      </p:sp>
+    </p:spTree>
+    <p:extLst>
+      <p:ext uri="{BB962C8B-B14F-4D97-AF65-F5344CB8AC3E}">
+        <p14:creationId xmlns:p14="http://schemas.microsoft.com/office/powerpoint/2010/main" val="4223355114"/>
+      </p:ext>
+    </p:extLst>
+  </p:cSld>
+  <p:clrMapOvr>
+    <a:masterClrMapping/>
+  </p:clrMapOvr>
+  <p:timing>
+    <p:tnLst>
+      <p:par>
+        <p:cTn id="1" dur="indefinite" restart="never" nodeType="tmRoot"/>
+      </p:par>
+    </p:tnLst>
+  </p:timing>
+</p:sld>
+</file>
+
+<file path=ppt/slides/slide11.xml><?xml version="1.0" encoding="utf-8"?>
+<p:sld xmlns:a="http://schemas.openxmlformats.org/drawingml/2006/main" xmlns:r="http://schemas.openxmlformats.org/officeDocument/2006/relationships" xmlns:p="http://schemas.openxmlformats.org/presentationml/2006/main">
   <p:cSld name="Slide 8">
     <p:bg>
       <p:bgPr>
@@ -6271,7 +6540,7 @@
         <p:spPr>
           <a:xfrm>
             <a:off x="548269" y="2124617"/>
-            <a:ext cx="2114681" cy="369332"/>
+            <a:ext cx="6474849" cy="1200329"/>
           </a:xfrm>
           <a:prstGeom prst="rect">
             <a:avLst/>
@@ -6293,7 +6562,249 @@
                 <a:latin typeface="나눔바른고딕" panose="020B0603020101020101" pitchFamily="50" charset="-127"/>
                 <a:ea typeface="나눔바른고딕" panose="020B0603020101020101" pitchFamily="50" charset="-127"/>
               </a:rPr>
-              <a:t>입력 값이 없을 때 </a:t>
+              <a:t>입력 값이 없을 때 메시지 표시 후 다시 입력 값을 받음</a:t>
+            </a:r>
+            <a:endParaRPr lang="en-US" altLang="ko-KR" dirty="0" smtClean="0">
+              <a:latin typeface="나눔바른고딕" panose="020B0603020101020101" pitchFamily="50" charset="-127"/>
+              <a:ea typeface="나눔바른고딕" panose="020B0603020101020101" pitchFamily="50" charset="-127"/>
+            </a:endParaRPr>
+          </a:p>
+          <a:p>
+            <a:pPr marL="285750" indent="-285750">
+              <a:buFont typeface="Arial" panose="020B0604020202020204" pitchFamily="34" charset="0"/>
+              <a:buChar char="•"/>
+            </a:pPr>
+            <a:r>
+              <a:rPr lang="ko-KR" altLang="en-US" dirty="0" smtClean="0">
+                <a:latin typeface="나눔바른고딕" panose="020B0603020101020101" pitchFamily="50" charset="-127"/>
+                <a:ea typeface="나눔바른고딕" panose="020B0603020101020101" pitchFamily="50" charset="-127"/>
+              </a:rPr>
+              <a:t>로그인 된 아이디가 운영자 계정이 아니라면 공지를 작성할 수 없음</a:t>
+            </a:r>
+            <a:endParaRPr lang="en-US" altLang="ko-KR" dirty="0" smtClean="0">
+              <a:latin typeface="나눔바른고딕" panose="020B0603020101020101" pitchFamily="50" charset="-127"/>
+              <a:ea typeface="나눔바른고딕" panose="020B0603020101020101" pitchFamily="50" charset="-127"/>
+            </a:endParaRPr>
+          </a:p>
+          <a:p>
+            <a:pPr marL="285750" indent="-285750">
+              <a:buFont typeface="Arial" panose="020B0604020202020204" pitchFamily="34" charset="0"/>
+              <a:buChar char="•"/>
+            </a:pPr>
+            <a:r>
+              <a:rPr lang="ko-KR" altLang="en-US" dirty="0" smtClean="0">
+                <a:latin typeface="나눔바른고딕" panose="020B0603020101020101" pitchFamily="50" charset="-127"/>
+                <a:ea typeface="나눔바른고딕" panose="020B0603020101020101" pitchFamily="50" charset="-127"/>
+              </a:rPr>
+              <a:t>글 작성 시 조회수와 추천 수는 </a:t>
+            </a:r>
+            <a:r>
+              <a:rPr lang="en-US" altLang="ko-KR" dirty="0" smtClean="0">
+                <a:latin typeface="나눔바른고딕" panose="020B0603020101020101" pitchFamily="50" charset="-127"/>
+                <a:ea typeface="나눔바른고딕" panose="020B0603020101020101" pitchFamily="50" charset="-127"/>
+              </a:rPr>
+              <a:t>0</a:t>
+            </a:r>
+            <a:r>
+              <a:rPr lang="ko-KR" altLang="en-US" dirty="0" smtClean="0">
+                <a:latin typeface="나눔바른고딕" panose="020B0603020101020101" pitchFamily="50" charset="-127"/>
+                <a:ea typeface="나눔바른고딕" panose="020B0603020101020101" pitchFamily="50" charset="-127"/>
+              </a:rPr>
+              <a:t>으로 시작</a:t>
+            </a:r>
+            <a:endParaRPr lang="en-US" altLang="ko-KR" dirty="0" smtClean="0">
+              <a:latin typeface="나눔바른고딕" panose="020B0603020101020101" pitchFamily="50" charset="-127"/>
+              <a:ea typeface="나눔바른고딕" panose="020B0603020101020101" pitchFamily="50" charset="-127"/>
+            </a:endParaRPr>
+          </a:p>
+          <a:p>
+            <a:pPr marL="285750" indent="-285750">
+              <a:buFont typeface="Arial" panose="020B0604020202020204" pitchFamily="34" charset="0"/>
+              <a:buChar char="•"/>
+            </a:pPr>
+            <a:r>
+              <a:rPr lang="ko-KR" altLang="en-US" dirty="0" smtClean="0">
+                <a:latin typeface="나눔바른고딕" panose="020B0603020101020101" pitchFamily="50" charset="-127"/>
+                <a:ea typeface="나눔바른고딕" panose="020B0603020101020101" pitchFamily="50" charset="-127"/>
+              </a:rPr>
+              <a:t>추가 된 글 데이터를 </a:t>
+            </a:r>
+            <a:r>
+              <a:rPr lang="ko-KR" altLang="en-US" dirty="0" smtClean="0">
+                <a:latin typeface="나눔바른고딕" panose="020B0603020101020101" pitchFamily="50" charset="-127"/>
+                <a:ea typeface="나눔바른고딕" panose="020B0603020101020101" pitchFamily="50" charset="-127"/>
+              </a:rPr>
+              <a:t>게시 글 </a:t>
+            </a:r>
+            <a:r>
+              <a:rPr lang="ko-KR" altLang="en-US" dirty="0" smtClean="0">
+                <a:latin typeface="나눔바른고딕" panose="020B0603020101020101" pitchFamily="50" charset="-127"/>
+                <a:ea typeface="나눔바른고딕" panose="020B0603020101020101" pitchFamily="50" charset="-127"/>
+              </a:rPr>
+              <a:t>파일에 추가</a:t>
+            </a:r>
+            <a:endParaRPr lang="ko-KR" altLang="en-US" dirty="0">
+              <a:latin typeface="나눔바른고딕" panose="020B0603020101020101" pitchFamily="50" charset="-127"/>
+              <a:ea typeface="나눔바른고딕" panose="020B0603020101020101" pitchFamily="50" charset="-127"/>
+            </a:endParaRPr>
+          </a:p>
+        </p:txBody>
+      </p:sp>
+      <p:grpSp>
+        <p:nvGrpSpPr>
+          <p:cNvPr id="17" name="그룹 16"/>
+          <p:cNvGrpSpPr/>
+          <p:nvPr/>
+        </p:nvGrpSpPr>
+        <p:grpSpPr>
+          <a:xfrm>
+            <a:off x="578098" y="4304187"/>
+            <a:ext cx="3737763" cy="152070"/>
+            <a:chOff x="935833" y="2002315"/>
+            <a:chExt cx="3737763" cy="152070"/>
+          </a:xfrm>
+        </p:grpSpPr>
+        <p:pic>
+          <p:nvPicPr>
+            <p:cNvPr id="18" name="Object 4"/>
+            <p:cNvPicPr>
+              <a:picLocks noChangeAspect="1"/>
+            </p:cNvPicPr>
+            <p:nvPr/>
+          </p:nvPicPr>
+          <p:blipFill>
+            <a:blip r:embed="rId3" cstate="print"/>
+            <a:stretch>
+              <a:fillRect/>
+            </a:stretch>
+          </p:blipFill>
+          <p:spPr>
+            <a:xfrm>
+              <a:off x="935833" y="2002315"/>
+              <a:ext cx="3737763" cy="152070"/>
+            </a:xfrm>
+            <a:prstGeom prst="rect">
+              <a:avLst/>
+            </a:prstGeom>
+          </p:spPr>
+        </p:pic>
+      </p:grpSp>
+      <p:sp>
+        <p:nvSpPr>
+          <p:cNvPr id="19" name="TextBox 18"/>
+          <p:cNvSpPr txBox="1"/>
+          <p:nvPr/>
+        </p:nvSpPr>
+        <p:spPr>
+          <a:xfrm>
+            <a:off x="565479" y="3780967"/>
+            <a:ext cx="1947969" cy="523220"/>
+          </a:xfrm>
+          <a:prstGeom prst="rect">
+            <a:avLst/>
+          </a:prstGeom>
+          <a:noFill/>
+        </p:spPr>
+        <p:txBody>
+          <a:bodyPr wrap="none" rtlCol="0">
+            <a:spAutoFit/>
+          </a:bodyPr>
+          <a:lstStyle/>
+          <a:p>
+            <a:r>
+              <a:rPr lang="ko-KR" altLang="en-US" sz="2800" dirty="0" smtClean="0">
+                <a:latin typeface="나눔바른고딕" panose="020B0603020101020101" pitchFamily="50" charset="-127"/>
+                <a:ea typeface="나눔바른고딕" panose="020B0603020101020101" pitchFamily="50" charset="-127"/>
+              </a:rPr>
+              <a:t>글 상세 조회</a:t>
+            </a:r>
+            <a:endParaRPr lang="ko-KR" altLang="en-US" sz="2800" dirty="0">
+              <a:latin typeface="나눔바른고딕" panose="020B0603020101020101" pitchFamily="50" charset="-127"/>
+              <a:ea typeface="나눔바른고딕" panose="020B0603020101020101" pitchFamily="50" charset="-127"/>
+            </a:endParaRPr>
+          </a:p>
+        </p:txBody>
+      </p:sp>
+      <p:sp>
+        <p:nvSpPr>
+          <p:cNvPr id="20" name="TextBox 19"/>
+          <p:cNvSpPr txBox="1"/>
+          <p:nvPr/>
+        </p:nvSpPr>
+        <p:spPr>
+          <a:xfrm>
+            <a:off x="548269" y="4509573"/>
+            <a:ext cx="6833922" cy="923330"/>
+          </a:xfrm>
+          <a:prstGeom prst="rect">
+            <a:avLst/>
+          </a:prstGeom>
+          <a:noFill/>
+        </p:spPr>
+        <p:txBody>
+          <a:bodyPr wrap="none" rtlCol="0">
+            <a:spAutoFit/>
+          </a:bodyPr>
+          <a:lstStyle/>
+          <a:p>
+            <a:pPr marL="285750" indent="-285750">
+              <a:buFont typeface="Arial" panose="020B0604020202020204" pitchFamily="34" charset="0"/>
+              <a:buChar char="•"/>
+            </a:pPr>
+            <a:r>
+              <a:rPr lang="ko-KR" altLang="en-US" dirty="0" smtClean="0">
+                <a:latin typeface="나눔바른고딕" panose="020B0603020101020101" pitchFamily="50" charset="-127"/>
+                <a:ea typeface="나눔바른고딕" panose="020B0603020101020101" pitchFamily="50" charset="-127"/>
+              </a:rPr>
+              <a:t>글 번호를 입력 받아서 글의 상세 내용을 조회</a:t>
+            </a:r>
+            <a:endParaRPr lang="en-US" altLang="ko-KR" dirty="0" smtClean="0">
+              <a:latin typeface="나눔바른고딕" panose="020B0603020101020101" pitchFamily="50" charset="-127"/>
+              <a:ea typeface="나눔바른고딕" panose="020B0603020101020101" pitchFamily="50" charset="-127"/>
+            </a:endParaRPr>
+          </a:p>
+          <a:p>
+            <a:pPr marL="285750" indent="-285750">
+              <a:buFont typeface="Arial" panose="020B0604020202020204" pitchFamily="34" charset="0"/>
+              <a:buChar char="•"/>
+            </a:pPr>
+            <a:r>
+              <a:rPr lang="ko-KR" altLang="en-US" dirty="0" smtClean="0">
+                <a:latin typeface="나눔바른고딕" panose="020B0603020101020101" pitchFamily="50" charset="-127"/>
+                <a:ea typeface="나눔바른고딕" panose="020B0603020101020101" pitchFamily="50" charset="-127"/>
+              </a:rPr>
+              <a:t>자신이 작성한 글이라면 글 수정</a:t>
+            </a:r>
+            <a:r>
+              <a:rPr lang="en-US" altLang="ko-KR" dirty="0" smtClean="0">
+                <a:latin typeface="나눔바른고딕" panose="020B0603020101020101" pitchFamily="50" charset="-127"/>
+                <a:ea typeface="나눔바른고딕" panose="020B0603020101020101" pitchFamily="50" charset="-127"/>
+              </a:rPr>
+              <a:t>, </a:t>
+            </a:r>
+            <a:r>
+              <a:rPr lang="ko-KR" altLang="en-US" dirty="0" smtClean="0">
+                <a:latin typeface="나눔바른고딕" panose="020B0603020101020101" pitchFamily="50" charset="-127"/>
+                <a:ea typeface="나눔바른고딕" panose="020B0603020101020101" pitchFamily="50" charset="-127"/>
+              </a:rPr>
+              <a:t>삭제 메뉴를 보여줌</a:t>
+            </a:r>
+            <a:endParaRPr lang="en-US" altLang="ko-KR" dirty="0" smtClean="0">
+              <a:latin typeface="나눔바른고딕" panose="020B0603020101020101" pitchFamily="50" charset="-127"/>
+              <a:ea typeface="나눔바른고딕" panose="020B0603020101020101" pitchFamily="50" charset="-127"/>
+            </a:endParaRPr>
+          </a:p>
+          <a:p>
+            <a:pPr marL="285750" indent="-285750">
+              <a:buFont typeface="Arial" panose="020B0604020202020204" pitchFamily="34" charset="0"/>
+              <a:buChar char="•"/>
+            </a:pPr>
+            <a:r>
+              <a:rPr lang="ko-KR" altLang="en-US" dirty="0" smtClean="0">
+                <a:latin typeface="나눔바른고딕" panose="020B0603020101020101" pitchFamily="50" charset="-127"/>
+                <a:ea typeface="나눔바른고딕" panose="020B0603020101020101" pitchFamily="50" charset="-127"/>
+              </a:rPr>
+              <a:t>로그인 된 아이디가 운영자 계정이라면 블라인드 메뉴를 추가로 보여줌</a:t>
             </a:r>
             <a:endParaRPr lang="ko-KR" altLang="en-US" dirty="0">
               <a:latin typeface="나눔바른고딕" panose="020B0603020101020101" pitchFamily="50" charset="-127"/>
@@ -6341,21 +6852,21 @@
       </p:grpSpPr>
       <p:grpSp>
         <p:nvGrpSpPr>
-          <p:cNvPr id="1001" name="그룹 1001"/>
+          <p:cNvPr id="25" name="그룹 24"/>
           <p:cNvGrpSpPr/>
           <p:nvPr/>
         </p:nvGrpSpPr>
         <p:grpSpPr>
           <a:xfrm>
-            <a:off x="2246966" y="1612308"/>
-            <a:ext cx="4212861" cy="4212861"/>
-            <a:chOff x="2246966" y="1612308"/>
-            <a:chExt cx="4212861" cy="4212861"/>
+            <a:off x="7173495" y="689833"/>
+            <a:ext cx="3609643" cy="6183185"/>
+            <a:chOff x="7531230" y="772917"/>
+            <a:chExt cx="3609643" cy="6183185"/>
           </a:xfrm>
         </p:grpSpPr>
         <p:pic>
           <p:nvPicPr>
-            <p:cNvPr id="3" name="Object 2"/>
+            <p:cNvPr id="38" name="Object 7"/>
             <p:cNvPicPr>
               <a:picLocks noChangeAspect="1"/>
             </p:cNvPicPr>
@@ -6369,8 +6880,8 @@
           </p:blipFill>
           <p:spPr>
             <a:xfrm>
-              <a:off x="2246966" y="1612308"/>
-              <a:ext cx="4212861" cy="4212861"/>
+              <a:off x="7531230" y="772917"/>
+              <a:ext cx="3609643" cy="6183185"/>
             </a:xfrm>
             <a:prstGeom prst="rect">
               <a:avLst/>
@@ -6378,23 +6889,71 @@
           </p:spPr>
         </p:pic>
       </p:grpSp>
+      <p:sp>
+        <p:nvSpPr>
+          <p:cNvPr id="51" name="직사각형 50"/>
+          <p:cNvSpPr/>
+          <p:nvPr/>
+        </p:nvSpPr>
+        <p:spPr>
+          <a:xfrm>
+            <a:off x="928687" y="1343025"/>
+            <a:ext cx="8915400" cy="4628487"/>
+          </a:xfrm>
+          <a:prstGeom prst="rect">
+            <a:avLst/>
+          </a:prstGeom>
+          <a:solidFill>
+            <a:schemeClr val="bg1"/>
+          </a:solidFill>
+          <a:ln>
+            <a:solidFill>
+              <a:schemeClr val="bg1"/>
+            </a:solidFill>
+          </a:ln>
+        </p:spPr>
+        <p:style>
+          <a:lnRef idx="2">
+            <a:schemeClr val="accent1">
+              <a:shade val="50000"/>
+            </a:schemeClr>
+          </a:lnRef>
+          <a:fillRef idx="1">
+            <a:schemeClr val="accent1"/>
+          </a:fillRef>
+          <a:effectRef idx="0">
+            <a:schemeClr val="accent1"/>
+          </a:effectRef>
+          <a:fontRef idx="minor">
+            <a:schemeClr val="lt1"/>
+          </a:fontRef>
+        </p:style>
+        <p:txBody>
+          <a:bodyPr rtlCol="0" anchor="ctr"/>
+          <a:lstStyle/>
+          <a:p>
+            <a:pPr algn="ctr"/>
+            <a:endParaRPr lang="ko-KR" altLang="en-US"/>
+          </a:p>
+        </p:txBody>
+      </p:sp>
       <p:grpSp>
         <p:nvGrpSpPr>
-          <p:cNvPr id="1002" name="그룹 1002"/>
+          <p:cNvPr id="24" name="그룹 23"/>
           <p:cNvGrpSpPr/>
           <p:nvPr/>
         </p:nvGrpSpPr>
         <p:grpSpPr>
           <a:xfrm>
-            <a:off x="784828" y="2304921"/>
-            <a:ext cx="2827634" cy="2827634"/>
-            <a:chOff x="784828" y="2304921"/>
-            <a:chExt cx="2827634" cy="2827634"/>
+            <a:off x="578098" y="2399645"/>
+            <a:ext cx="3737763" cy="152070"/>
+            <a:chOff x="935833" y="2002315"/>
+            <a:chExt cx="3737763" cy="152070"/>
           </a:xfrm>
         </p:grpSpPr>
         <p:pic>
           <p:nvPicPr>
-            <p:cNvPr id="6" name="Object 5"/>
+            <p:cNvPr id="39" name="Object 4"/>
             <p:cNvPicPr>
               <a:picLocks noChangeAspect="1"/>
             </p:cNvPicPr>
@@ -6408,8 +6967,8 @@
           </p:blipFill>
           <p:spPr>
             <a:xfrm>
-              <a:off x="784828" y="2304921"/>
-              <a:ext cx="2827634" cy="2827634"/>
+              <a:off x="935833" y="2002315"/>
+              <a:ext cx="3737763" cy="152070"/>
             </a:xfrm>
             <a:prstGeom prst="rect">
               <a:avLst/>
@@ -6419,99 +6978,114 @@
       </p:grpSp>
       <p:grpSp>
         <p:nvGrpSpPr>
-          <p:cNvPr id="1003" name="그룹 1003"/>
+          <p:cNvPr id="27" name="그룹 26"/>
           <p:cNvGrpSpPr/>
           <p:nvPr/>
         </p:nvGrpSpPr>
         <p:grpSpPr>
           <a:xfrm>
-            <a:off x="2939580" y="2304921"/>
-            <a:ext cx="2827634" cy="2827634"/>
-            <a:chOff x="2939580" y="2304921"/>
-            <a:chExt cx="2827634" cy="2827634"/>
+            <a:off x="90487" y="845244"/>
+            <a:ext cx="10265300" cy="241230"/>
+            <a:chOff x="255576" y="928328"/>
+            <a:chExt cx="10265300" cy="241230"/>
           </a:xfrm>
         </p:grpSpPr>
+        <p:grpSp>
+          <p:nvGrpSpPr>
+            <p:cNvPr id="28" name="그룹 27"/>
+            <p:cNvGrpSpPr/>
+            <p:nvPr/>
+          </p:nvGrpSpPr>
+          <p:grpSpPr>
+            <a:xfrm>
+              <a:off x="1464102" y="997613"/>
+              <a:ext cx="9056774" cy="171945"/>
+              <a:chOff x="1464102" y="997613"/>
+              <a:chExt cx="9056774" cy="171945"/>
+            </a:xfrm>
+          </p:grpSpPr>
+          <p:grpSp>
+            <p:nvGrpSpPr>
+              <p:cNvPr id="30" name="그룹 29"/>
+              <p:cNvGrpSpPr/>
+              <p:nvPr/>
+            </p:nvGrpSpPr>
+            <p:grpSpPr>
+              <a:xfrm>
+                <a:off x="1464102" y="1059890"/>
+                <a:ext cx="8895970" cy="23696"/>
+                <a:chOff x="1464102" y="1059890"/>
+                <a:chExt cx="8895970" cy="23696"/>
+              </a:xfrm>
+            </p:grpSpPr>
+            <p:pic>
+              <p:nvPicPr>
+                <p:cNvPr id="33" name="Object 20"/>
+                <p:cNvPicPr>
+                  <a:picLocks noChangeAspect="1"/>
+                </p:cNvPicPr>
+                <p:nvPr/>
+              </p:nvPicPr>
+              <p:blipFill>
+                <a:blip r:embed="rId4" cstate="print"/>
+                <a:stretch>
+                  <a:fillRect/>
+                </a:stretch>
+              </p:blipFill>
+              <p:spPr>
+                <a:xfrm>
+                  <a:off x="1464102" y="1059890"/>
+                  <a:ext cx="8895970" cy="23696"/>
+                </a:xfrm>
+                <a:prstGeom prst="rect">
+                  <a:avLst/>
+                </a:prstGeom>
+              </p:spPr>
+            </p:pic>
+          </p:grpSp>
+          <p:grpSp>
+            <p:nvGrpSpPr>
+              <p:cNvPr id="31" name="그룹 30"/>
+              <p:cNvGrpSpPr/>
+              <p:nvPr/>
+            </p:nvGrpSpPr>
+            <p:grpSpPr>
+              <a:xfrm>
+                <a:off x="10348931" y="997613"/>
+                <a:ext cx="171945" cy="171945"/>
+                <a:chOff x="10348931" y="997613"/>
+                <a:chExt cx="171945" cy="171945"/>
+              </a:xfrm>
+            </p:grpSpPr>
+            <p:pic>
+              <p:nvPicPr>
+                <p:cNvPr id="32" name="Object 23"/>
+                <p:cNvPicPr>
+                  <a:picLocks noChangeAspect="1"/>
+                </p:cNvPicPr>
+                <p:nvPr/>
+              </p:nvPicPr>
+              <p:blipFill>
+                <a:blip r:embed="rId5" cstate="print"/>
+                <a:stretch>
+                  <a:fillRect/>
+                </a:stretch>
+              </p:blipFill>
+              <p:spPr>
+                <a:xfrm>
+                  <a:off x="10348931" y="997613"/>
+                  <a:ext cx="171945" cy="171945"/>
+                </a:xfrm>
+                <a:prstGeom prst="rect">
+                  <a:avLst/>
+                </a:prstGeom>
+              </p:spPr>
+            </p:pic>
+          </p:grpSp>
+        </p:grpSp>
         <p:pic>
           <p:nvPicPr>
-            <p:cNvPr id="9" name="Object 8"/>
-            <p:cNvPicPr>
-              <a:picLocks noChangeAspect="1"/>
-            </p:cNvPicPr>
-            <p:nvPr/>
-          </p:nvPicPr>
-          <p:blipFill>
-            <a:blip r:embed="rId4" cstate="print"/>
-            <a:stretch>
-              <a:fillRect/>
-            </a:stretch>
-          </p:blipFill>
-          <p:spPr>
-            <a:xfrm>
-              <a:off x="2939580" y="2304921"/>
-              <a:ext cx="2827634" cy="2827634"/>
-            </a:xfrm>
-            <a:prstGeom prst="rect">
-              <a:avLst/>
-            </a:prstGeom>
-          </p:spPr>
-        </p:pic>
-      </p:grpSp>
-      <p:grpSp>
-        <p:nvGrpSpPr>
-          <p:cNvPr id="1004" name="그룹 1004"/>
-          <p:cNvGrpSpPr/>
-          <p:nvPr/>
-        </p:nvGrpSpPr>
-        <p:grpSpPr>
-          <a:xfrm>
-            <a:off x="2939580" y="2304921"/>
-            <a:ext cx="2827634" cy="2827634"/>
-            <a:chOff x="2939580" y="2304921"/>
-            <a:chExt cx="2827634" cy="2827634"/>
-          </a:xfrm>
-        </p:grpSpPr>
-        <p:pic>
-          <p:nvPicPr>
-            <p:cNvPr id="12" name="Object 11"/>
-            <p:cNvPicPr>
-              <a:picLocks noChangeAspect="1"/>
-            </p:cNvPicPr>
-            <p:nvPr/>
-          </p:nvPicPr>
-          <p:blipFill>
-            <a:blip r:embed="rId5" cstate="print"/>
-            <a:stretch>
-              <a:fillRect/>
-            </a:stretch>
-          </p:blipFill>
-          <p:spPr>
-            <a:xfrm>
-              <a:off x="2939580" y="2304921"/>
-              <a:ext cx="2827634" cy="2827634"/>
-            </a:xfrm>
-            <a:prstGeom prst="rect">
-              <a:avLst/>
-            </a:prstGeom>
-          </p:spPr>
-        </p:pic>
-      </p:grpSp>
-      <p:grpSp>
-        <p:nvGrpSpPr>
-          <p:cNvPr id="1005" name="그룹 1005"/>
-          <p:cNvGrpSpPr/>
-          <p:nvPr/>
-        </p:nvGrpSpPr>
-        <p:grpSpPr>
-          <a:xfrm>
-            <a:off x="8458943" y="3306710"/>
-            <a:ext cx="1549924" cy="152070"/>
-            <a:chOff x="8458943" y="3306710"/>
-            <a:chExt cx="1549924" cy="152070"/>
-          </a:xfrm>
-        </p:grpSpPr>
-        <p:pic>
-          <p:nvPicPr>
-            <p:cNvPr id="16" name="Object 15"/>
+            <p:cNvPr id="29" name="Object 26"/>
             <p:cNvPicPr>
               <a:picLocks noChangeAspect="1"/>
             </p:cNvPicPr>
@@ -6525,8 +7099,8 @@
           </p:blipFill>
           <p:spPr>
             <a:xfrm>
-              <a:off x="8458943" y="3306710"/>
-              <a:ext cx="1549924" cy="152070"/>
+              <a:off x="255576" y="928328"/>
+              <a:ext cx="615692" cy="207959"/>
             </a:xfrm>
             <a:prstGeom prst="rect">
               <a:avLst/>
@@ -6536,14 +7110,14 @@
       </p:grpSp>
       <p:sp>
         <p:nvSpPr>
-          <p:cNvPr id="2" name="TextBox 1"/>
+          <p:cNvPr id="40" name="TextBox 39"/>
           <p:cNvSpPr txBox="1"/>
           <p:nvPr/>
         </p:nvSpPr>
         <p:spPr>
           <a:xfrm>
-            <a:off x="3880332" y="3166392"/>
-            <a:ext cx="1098378" cy="707886"/>
+            <a:off x="1299013" y="1190625"/>
+            <a:ext cx="184731" cy="369332"/>
           </a:xfrm>
           <a:prstGeom prst="rect">
             <a:avLst/>
@@ -6556,24 +7130,292 @@
           </a:bodyPr>
           <a:lstStyle/>
           <a:p>
-            <a:r>
-              <a:rPr lang="ko-KR" altLang="en-US" sz="4000" b="1" dirty="0" smtClean="0">
+            <a:endParaRPr lang="ko-KR" altLang="en-US" dirty="0"/>
+          </a:p>
+        </p:txBody>
+      </p:sp>
+      <p:sp>
+        <p:nvSpPr>
+          <p:cNvPr id="41" name="TextBox 40"/>
+          <p:cNvSpPr txBox="1"/>
+          <p:nvPr/>
+        </p:nvSpPr>
+        <p:spPr>
+          <a:xfrm>
+            <a:off x="565479" y="1876425"/>
+            <a:ext cx="2188420" cy="523220"/>
+          </a:xfrm>
+          <a:prstGeom prst="rect">
+            <a:avLst/>
+          </a:prstGeom>
+          <a:noFill/>
+        </p:spPr>
+        <p:txBody>
+          <a:bodyPr wrap="none" rtlCol="0">
+            <a:spAutoFit/>
+          </a:bodyPr>
+          <a:lstStyle/>
+          <a:p>
+            <a:r>
+              <a:rPr lang="ko-KR" altLang="en-US" sz="2800" dirty="0" smtClean="0">
                 <a:latin typeface="나눔바른고딕" panose="020B0603020101020101" pitchFamily="50" charset="-127"/>
                 <a:ea typeface="나눔바른고딕" panose="020B0603020101020101" pitchFamily="50" charset="-127"/>
               </a:rPr>
-              <a:t>시현</a:t>
-            </a:r>
-            <a:endParaRPr lang="ko-KR" altLang="en-US" sz="4000" b="1" dirty="0">
+              <a:t>베스트 게시물</a:t>
+            </a:r>
+            <a:endParaRPr lang="ko-KR" altLang="en-US" sz="2800" dirty="0">
               <a:latin typeface="나눔바른고딕" panose="020B0603020101020101" pitchFamily="50" charset="-127"/>
               <a:ea typeface="나눔바른고딕" panose="020B0603020101020101" pitchFamily="50" charset="-127"/>
             </a:endParaRPr>
           </a:p>
         </p:txBody>
       </p:sp>
+      <p:sp>
+        <p:nvSpPr>
+          <p:cNvPr id="42" name="TextBox 41"/>
+          <p:cNvSpPr txBox="1"/>
+          <p:nvPr/>
+        </p:nvSpPr>
+        <p:spPr>
+          <a:xfrm>
+            <a:off x="548269" y="2605031"/>
+            <a:ext cx="5974713" cy="369332"/>
+          </a:xfrm>
+          <a:prstGeom prst="rect">
+            <a:avLst/>
+          </a:prstGeom>
+          <a:noFill/>
+        </p:spPr>
+        <p:txBody>
+          <a:bodyPr wrap="none" rtlCol="0">
+            <a:spAutoFit/>
+          </a:bodyPr>
+          <a:lstStyle/>
+          <a:p>
+            <a:pPr marL="285750" indent="-285750">
+              <a:buFont typeface="Arial" panose="020B0604020202020204" pitchFamily="34" charset="0"/>
+              <a:buChar char="•"/>
+            </a:pPr>
+            <a:r>
+              <a:rPr lang="ko-KR" altLang="en-US" dirty="0" smtClean="0">
+                <a:latin typeface="나눔바른고딕" panose="020B0603020101020101" pitchFamily="50" charset="-127"/>
+                <a:ea typeface="나눔바른고딕" panose="020B0603020101020101" pitchFamily="50" charset="-127"/>
+              </a:rPr>
+              <a:t>전체 게시물에서 조회순으로 </a:t>
+            </a:r>
+            <a:r>
+              <a:rPr lang="en-US" altLang="ko-KR" dirty="0" smtClean="0">
+                <a:latin typeface="나눔바른고딕" panose="020B0603020101020101" pitchFamily="50" charset="-127"/>
+                <a:ea typeface="나눔바른고딕" panose="020B0603020101020101" pitchFamily="50" charset="-127"/>
+              </a:rPr>
+              <a:t>10</a:t>
+            </a:r>
+            <a:r>
+              <a:rPr lang="ko-KR" altLang="en-US" dirty="0" smtClean="0">
+                <a:latin typeface="나눔바른고딕" panose="020B0603020101020101" pitchFamily="50" charset="-127"/>
+                <a:ea typeface="나눔바른고딕" panose="020B0603020101020101" pitchFamily="50" charset="-127"/>
+              </a:rPr>
+              <a:t>개를 순서대로 조회하는 기능</a:t>
+            </a:r>
+            <a:endParaRPr lang="ko-KR" altLang="en-US" dirty="0">
+              <a:latin typeface="나눔바른고딕" panose="020B0603020101020101" pitchFamily="50" charset="-127"/>
+              <a:ea typeface="나눔바른고딕" panose="020B0603020101020101" pitchFamily="50" charset="-127"/>
+            </a:endParaRPr>
+          </a:p>
+        </p:txBody>
+      </p:sp>
+      <p:grpSp>
+        <p:nvGrpSpPr>
+          <p:cNvPr id="17" name="그룹 16"/>
+          <p:cNvGrpSpPr/>
+          <p:nvPr/>
+        </p:nvGrpSpPr>
+        <p:grpSpPr>
+          <a:xfrm>
+            <a:off x="578098" y="4457045"/>
+            <a:ext cx="3737763" cy="152070"/>
+            <a:chOff x="935833" y="2002315"/>
+            <a:chExt cx="3737763" cy="152070"/>
+          </a:xfrm>
+        </p:grpSpPr>
+        <p:pic>
+          <p:nvPicPr>
+            <p:cNvPr id="18" name="Object 4"/>
+            <p:cNvPicPr>
+              <a:picLocks noChangeAspect="1"/>
+            </p:cNvPicPr>
+            <p:nvPr/>
+          </p:nvPicPr>
+          <p:blipFill>
+            <a:blip r:embed="rId3" cstate="print"/>
+            <a:stretch>
+              <a:fillRect/>
+            </a:stretch>
+          </p:blipFill>
+          <p:spPr>
+            <a:xfrm>
+              <a:off x="935833" y="2002315"/>
+              <a:ext cx="3737763" cy="152070"/>
+            </a:xfrm>
+            <a:prstGeom prst="rect">
+              <a:avLst/>
+            </a:prstGeom>
+          </p:spPr>
+        </p:pic>
+      </p:grpSp>
+      <p:sp>
+        <p:nvSpPr>
+          <p:cNvPr id="19" name="TextBox 18"/>
+          <p:cNvSpPr txBox="1"/>
+          <p:nvPr/>
+        </p:nvSpPr>
+        <p:spPr>
+          <a:xfrm>
+            <a:off x="565479" y="3933825"/>
+            <a:ext cx="4968027" cy="523220"/>
+          </a:xfrm>
+          <a:prstGeom prst="rect">
+            <a:avLst/>
+          </a:prstGeom>
+          <a:noFill/>
+        </p:spPr>
+        <p:txBody>
+          <a:bodyPr wrap="none" rtlCol="0">
+            <a:spAutoFit/>
+          </a:bodyPr>
+          <a:lstStyle/>
+          <a:p>
+            <a:r>
+              <a:rPr lang="ko-KR" altLang="en-US" sz="2800" dirty="0" smtClean="0">
+                <a:latin typeface="나눔바른고딕" panose="020B0603020101020101" pitchFamily="50" charset="-127"/>
+                <a:ea typeface="나눔바른고딕" panose="020B0603020101020101" pitchFamily="50" charset="-127"/>
+              </a:rPr>
+              <a:t>회원</a:t>
+            </a:r>
+            <a:r>
+              <a:rPr lang="en-US" altLang="ko-KR" sz="2800" dirty="0" smtClean="0">
+                <a:latin typeface="나눔바른고딕" panose="020B0603020101020101" pitchFamily="50" charset="-127"/>
+                <a:ea typeface="나눔바른고딕" panose="020B0603020101020101" pitchFamily="50" charset="-127"/>
+              </a:rPr>
+              <a:t>, </a:t>
+            </a:r>
+            <a:r>
+              <a:rPr lang="ko-KR" altLang="en-US" sz="2800" dirty="0" smtClean="0">
+                <a:latin typeface="나눔바른고딕" panose="020B0603020101020101" pitchFamily="50" charset="-127"/>
+                <a:ea typeface="나눔바른고딕" panose="020B0603020101020101" pitchFamily="50" charset="-127"/>
+              </a:rPr>
+              <a:t>댓글</a:t>
+            </a:r>
+            <a:r>
+              <a:rPr lang="en-US" altLang="ko-KR" sz="2800" dirty="0" smtClean="0">
+                <a:latin typeface="나눔바른고딕" panose="020B0603020101020101" pitchFamily="50" charset="-127"/>
+                <a:ea typeface="나눔바른고딕" panose="020B0603020101020101" pitchFamily="50" charset="-127"/>
+              </a:rPr>
+              <a:t>, </a:t>
+            </a:r>
+            <a:r>
+              <a:rPr lang="ko-KR" altLang="en-US" sz="2800" dirty="0" smtClean="0">
+                <a:latin typeface="나눔바른고딕" panose="020B0603020101020101" pitchFamily="50" charset="-127"/>
+                <a:ea typeface="나눔바른고딕" panose="020B0603020101020101" pitchFamily="50" charset="-127"/>
+              </a:rPr>
+              <a:t>게시 글 블라인드 메뉴</a:t>
+            </a:r>
+            <a:endParaRPr lang="ko-KR" altLang="en-US" sz="2800" dirty="0">
+              <a:latin typeface="나눔바른고딕" panose="020B0603020101020101" pitchFamily="50" charset="-127"/>
+              <a:ea typeface="나눔바른고딕" panose="020B0603020101020101" pitchFamily="50" charset="-127"/>
+            </a:endParaRPr>
+          </a:p>
+        </p:txBody>
+      </p:sp>
+      <p:sp>
+        <p:nvSpPr>
+          <p:cNvPr id="20" name="TextBox 19"/>
+          <p:cNvSpPr txBox="1"/>
+          <p:nvPr/>
+        </p:nvSpPr>
+        <p:spPr>
+          <a:xfrm>
+            <a:off x="548269" y="4662431"/>
+            <a:ext cx="9382697" cy="646331"/>
+          </a:xfrm>
+          <a:prstGeom prst="rect">
+            <a:avLst/>
+          </a:prstGeom>
+          <a:noFill/>
+        </p:spPr>
+        <p:txBody>
+          <a:bodyPr wrap="none" rtlCol="0">
+            <a:spAutoFit/>
+          </a:bodyPr>
+          <a:lstStyle/>
+          <a:p>
+            <a:pPr marL="285750" indent="-285750">
+              <a:buFont typeface="Arial" panose="020B0604020202020204" pitchFamily="34" charset="0"/>
+              <a:buChar char="•"/>
+            </a:pPr>
+            <a:r>
+              <a:rPr lang="ko-KR" altLang="en-US" dirty="0" smtClean="0">
+                <a:latin typeface="나눔바른고딕" panose="020B0603020101020101" pitchFamily="50" charset="-127"/>
+                <a:ea typeface="나눔바른고딕" panose="020B0603020101020101" pitchFamily="50" charset="-127"/>
+              </a:rPr>
+              <a:t>로그인 된 계정이 운영자 계정일 때만 보여지는 메뉴</a:t>
+            </a:r>
+            <a:endParaRPr lang="en-US" altLang="ko-KR" dirty="0" smtClean="0">
+              <a:latin typeface="나눔바른고딕" panose="020B0603020101020101" pitchFamily="50" charset="-127"/>
+              <a:ea typeface="나눔바른고딕" panose="020B0603020101020101" pitchFamily="50" charset="-127"/>
+            </a:endParaRPr>
+          </a:p>
+          <a:p>
+            <a:pPr marL="285750" indent="-285750">
+              <a:buFont typeface="Arial" panose="020B0604020202020204" pitchFamily="34" charset="0"/>
+              <a:buChar char="•"/>
+            </a:pPr>
+            <a:r>
+              <a:rPr lang="ko-KR" altLang="en-US" dirty="0" smtClean="0">
+                <a:latin typeface="나눔바른고딕" panose="020B0603020101020101" pitchFamily="50" charset="-127"/>
+                <a:ea typeface="나눔바른고딕" panose="020B0603020101020101" pitchFamily="50" charset="-127"/>
+              </a:rPr>
+              <a:t>블라인드 된 회원</a:t>
+            </a:r>
+            <a:r>
+              <a:rPr lang="en-US" altLang="ko-KR" dirty="0" smtClean="0">
+                <a:latin typeface="나눔바른고딕" panose="020B0603020101020101" pitchFamily="50" charset="-127"/>
+                <a:ea typeface="나눔바른고딕" panose="020B0603020101020101" pitchFamily="50" charset="-127"/>
+              </a:rPr>
+              <a:t>, </a:t>
+            </a:r>
+            <a:r>
+              <a:rPr lang="ko-KR" altLang="en-US" dirty="0" smtClean="0">
+                <a:latin typeface="나눔바른고딕" panose="020B0603020101020101" pitchFamily="50" charset="-127"/>
+                <a:ea typeface="나눔바른고딕" panose="020B0603020101020101" pitchFamily="50" charset="-127"/>
+              </a:rPr>
+              <a:t>댓글</a:t>
+            </a:r>
+            <a:r>
+              <a:rPr lang="en-US" altLang="ko-KR" dirty="0" smtClean="0">
+                <a:latin typeface="나눔바른고딕" panose="020B0603020101020101" pitchFamily="50" charset="-127"/>
+                <a:ea typeface="나눔바른고딕" panose="020B0603020101020101" pitchFamily="50" charset="-127"/>
+              </a:rPr>
+              <a:t>, </a:t>
+            </a:r>
+            <a:r>
+              <a:rPr lang="ko-KR" altLang="en-US" dirty="0" smtClean="0">
+                <a:latin typeface="나눔바른고딕" panose="020B0603020101020101" pitchFamily="50" charset="-127"/>
+                <a:ea typeface="나눔바른고딕" panose="020B0603020101020101" pitchFamily="50" charset="-127"/>
+              </a:rPr>
+              <a:t>게시 글을 모두 조회하고 값을 입력 받아서 해당 값의 블라인드를 해제 시킴</a:t>
+            </a:r>
+            <a:endParaRPr lang="ko-KR" altLang="en-US" dirty="0">
+              <a:latin typeface="나눔바른고딕" panose="020B0603020101020101" pitchFamily="50" charset="-127"/>
+              <a:ea typeface="나눔바른고딕" panose="020B0603020101020101" pitchFamily="50" charset="-127"/>
+            </a:endParaRPr>
+          </a:p>
+        </p:txBody>
+      </p:sp>
     </p:spTree>
     <p:extLst>
       <p:ext uri="{BB962C8B-B14F-4D97-AF65-F5344CB8AC3E}">
-        <p14:creationId xmlns:p14="http://schemas.microsoft.com/office/powerpoint/2010/main" val="4223355114"/>
+        <p14:creationId xmlns:p14="http://schemas.microsoft.com/office/powerpoint/2010/main" val="1192814929"/>
       </p:ext>
     </p:extLst>
   </p:cSld>

--- a/ppt/게시판 미니 프로젝트.pptx
+++ b/ppt/게시판 미니 프로젝트.pptx
@@ -14,8 +14,10 @@
     <p:sldId id="267" r:id="rId8"/>
     <p:sldId id="268" r:id="rId9"/>
     <p:sldId id="269" r:id="rId10"/>
-    <p:sldId id="266" r:id="rId11"/>
-    <p:sldId id="263" r:id="rId12"/>
+    <p:sldId id="270" r:id="rId11"/>
+    <p:sldId id="271" r:id="rId12"/>
+    <p:sldId id="266" r:id="rId13"/>
+    <p:sldId id="263" r:id="rId14"/>
   </p:sldIdLst>
   <p:sldSz cx="10696575" cy="7562850"/>
   <p:notesSz cx="7562850" cy="10696575"/>
@@ -3595,7 +3597,7 @@
         <p:spPr>
           <a:xfrm>
             <a:off x="3880332" y="3166392"/>
-            <a:ext cx="1098378" cy="707886"/>
+            <a:ext cx="2584362" cy="707886"/>
           </a:xfrm>
           <a:prstGeom prst="rect">
             <a:avLst/>
@@ -3609,16 +3611,717 @@
           <a:lstStyle/>
           <a:p>
             <a:r>
+              <a:rPr lang="ko-KR" altLang="en-US" sz="4000" b="1" dirty="0" err="1" smtClean="0">
+                <a:latin typeface="나눔바른고딕" panose="020B0603020101020101" pitchFamily="50" charset="-127"/>
+                <a:ea typeface="나눔바른고딕" panose="020B0603020101020101" pitchFamily="50" charset="-127"/>
+              </a:rPr>
+              <a:t>플로우</a:t>
+            </a:r>
+            <a:r>
               <a:rPr lang="ko-KR" altLang="en-US" sz="4000" b="1" dirty="0" smtClean="0">
                 <a:latin typeface="나눔바른고딕" panose="020B0603020101020101" pitchFamily="50" charset="-127"/>
                 <a:ea typeface="나눔바른고딕" panose="020B0603020101020101" pitchFamily="50" charset="-127"/>
               </a:rPr>
-              <a:t>시현</a:t>
+              <a:t> 차트</a:t>
             </a:r>
             <a:endParaRPr lang="ko-KR" altLang="en-US" sz="4000" b="1" dirty="0">
               <a:latin typeface="나눔바른고딕" panose="020B0603020101020101" pitchFamily="50" charset="-127"/>
               <a:ea typeface="나눔바른고딕" panose="020B0603020101020101" pitchFamily="50" charset="-127"/>
             </a:endParaRPr>
+          </a:p>
+        </p:txBody>
+      </p:sp>
+    </p:spTree>
+    <p:extLst>
+      <p:ext uri="{BB962C8B-B14F-4D97-AF65-F5344CB8AC3E}">
+        <p14:creationId xmlns:p14="http://schemas.microsoft.com/office/powerpoint/2010/main" val="3137313918"/>
+      </p:ext>
+    </p:extLst>
+  </p:cSld>
+  <p:clrMapOvr>
+    <a:masterClrMapping/>
+  </p:clrMapOvr>
+  <p:timing>
+    <p:tnLst>
+      <p:par>
+        <p:cTn id="1" dur="indefinite" restart="never" nodeType="tmRoot"/>
+      </p:par>
+    </p:tnLst>
+  </p:timing>
+</p:sld>
+</file>
+
+<file path=ppt/slides/slide11.xml><?xml version="1.0" encoding="utf-8"?>
+<p:sld xmlns:a="http://schemas.openxmlformats.org/drawingml/2006/main" xmlns:r="http://schemas.openxmlformats.org/officeDocument/2006/relationships" xmlns:p="http://schemas.openxmlformats.org/presentationml/2006/main">
+  <p:cSld>
+    <p:spTree>
+      <p:nvGrpSpPr>
+        <p:cNvPr id="1" name=""/>
+        <p:cNvGrpSpPr/>
+        <p:nvPr/>
+      </p:nvGrpSpPr>
+      <p:grpSpPr>
+        <a:xfrm>
+          <a:off x="0" y="0"/>
+          <a:ext cx="0" cy="0"/>
+          <a:chOff x="0" y="0"/>
+          <a:chExt cx="0" cy="0"/>
+        </a:xfrm>
+      </p:grpSpPr>
+      <p:grpSp>
+        <p:nvGrpSpPr>
+          <p:cNvPr id="6" name="그룹 5"/>
+          <p:cNvGrpSpPr/>
+          <p:nvPr/>
+        </p:nvGrpSpPr>
+        <p:grpSpPr>
+          <a:xfrm>
+            <a:off x="6007763" y="967233"/>
+            <a:ext cx="3737763" cy="152070"/>
+            <a:chOff x="935833" y="2002315"/>
+            <a:chExt cx="3737763" cy="152070"/>
+          </a:xfrm>
+        </p:grpSpPr>
+        <p:pic>
+          <p:nvPicPr>
+            <p:cNvPr id="28" name="Object 4"/>
+            <p:cNvPicPr>
+              <a:picLocks noChangeAspect="1"/>
+            </p:cNvPicPr>
+            <p:nvPr/>
+          </p:nvPicPr>
+          <p:blipFill>
+            <a:blip r:embed="rId2" cstate="print"/>
+            <a:stretch>
+              <a:fillRect/>
+            </a:stretch>
+          </p:blipFill>
+          <p:spPr>
+            <a:xfrm>
+              <a:off x="935833" y="2002315"/>
+              <a:ext cx="3737763" cy="152070"/>
+            </a:xfrm>
+            <a:prstGeom prst="rect">
+              <a:avLst/>
+            </a:prstGeom>
+          </p:spPr>
+        </p:pic>
+      </p:grpSp>
+      <p:grpSp>
+        <p:nvGrpSpPr>
+          <p:cNvPr id="7" name="그룹 6"/>
+          <p:cNvGrpSpPr/>
+          <p:nvPr/>
+        </p:nvGrpSpPr>
+        <p:grpSpPr>
+          <a:xfrm>
+            <a:off x="-43032" y="1209116"/>
+            <a:ext cx="10265300" cy="241230"/>
+            <a:chOff x="255576" y="928328"/>
+            <a:chExt cx="10265300" cy="241230"/>
+          </a:xfrm>
+        </p:grpSpPr>
+        <p:grpSp>
+          <p:nvGrpSpPr>
+            <p:cNvPr id="22" name="그룹 21"/>
+            <p:cNvGrpSpPr/>
+            <p:nvPr/>
+          </p:nvGrpSpPr>
+          <p:grpSpPr>
+            <a:xfrm>
+              <a:off x="1464102" y="997613"/>
+              <a:ext cx="9056774" cy="171945"/>
+              <a:chOff x="1464102" y="997613"/>
+              <a:chExt cx="9056774" cy="171945"/>
+            </a:xfrm>
+          </p:grpSpPr>
+          <p:grpSp>
+            <p:nvGrpSpPr>
+              <p:cNvPr id="24" name="그룹 23"/>
+              <p:cNvGrpSpPr/>
+              <p:nvPr/>
+            </p:nvGrpSpPr>
+            <p:grpSpPr>
+              <a:xfrm>
+                <a:off x="1464102" y="1059890"/>
+                <a:ext cx="8895970" cy="23696"/>
+                <a:chOff x="1464102" y="1059890"/>
+                <a:chExt cx="8895970" cy="23696"/>
+              </a:xfrm>
+            </p:grpSpPr>
+            <p:pic>
+              <p:nvPicPr>
+                <p:cNvPr id="27" name="Object 9"/>
+                <p:cNvPicPr>
+                  <a:picLocks noChangeAspect="1"/>
+                </p:cNvPicPr>
+                <p:nvPr/>
+              </p:nvPicPr>
+              <p:blipFill>
+                <a:blip r:embed="rId3" cstate="print"/>
+                <a:stretch>
+                  <a:fillRect/>
+                </a:stretch>
+              </p:blipFill>
+              <p:spPr>
+                <a:xfrm>
+                  <a:off x="1464102" y="1059890"/>
+                  <a:ext cx="8895970" cy="23696"/>
+                </a:xfrm>
+                <a:prstGeom prst="rect">
+                  <a:avLst/>
+                </a:prstGeom>
+              </p:spPr>
+            </p:pic>
+          </p:grpSp>
+          <p:grpSp>
+            <p:nvGrpSpPr>
+              <p:cNvPr id="25" name="그룹 24"/>
+              <p:cNvGrpSpPr/>
+              <p:nvPr/>
+            </p:nvGrpSpPr>
+            <p:grpSpPr>
+              <a:xfrm>
+                <a:off x="10348931" y="997613"/>
+                <a:ext cx="171945" cy="171945"/>
+                <a:chOff x="10348931" y="997613"/>
+                <a:chExt cx="171945" cy="171945"/>
+              </a:xfrm>
+            </p:grpSpPr>
+            <p:pic>
+              <p:nvPicPr>
+                <p:cNvPr id="26" name="Object 12"/>
+                <p:cNvPicPr>
+                  <a:picLocks noChangeAspect="1"/>
+                </p:cNvPicPr>
+                <p:nvPr/>
+              </p:nvPicPr>
+              <p:blipFill>
+                <a:blip r:embed="rId4" cstate="print"/>
+                <a:stretch>
+                  <a:fillRect/>
+                </a:stretch>
+              </p:blipFill>
+              <p:spPr>
+                <a:xfrm>
+                  <a:off x="10348931" y="997613"/>
+                  <a:ext cx="171945" cy="171945"/>
+                </a:xfrm>
+                <a:prstGeom prst="rect">
+                  <a:avLst/>
+                </a:prstGeom>
+              </p:spPr>
+            </p:pic>
+          </p:grpSp>
+        </p:grpSp>
+        <p:pic>
+          <p:nvPicPr>
+            <p:cNvPr id="23" name="Object 15"/>
+            <p:cNvPicPr>
+              <a:picLocks noChangeAspect="1"/>
+            </p:cNvPicPr>
+            <p:nvPr/>
+          </p:nvPicPr>
+          <p:blipFill>
+            <a:blip r:embed="rId5" cstate="print"/>
+            <a:stretch>
+              <a:fillRect/>
+            </a:stretch>
+          </p:blipFill>
+          <p:spPr>
+            <a:xfrm>
+              <a:off x="255576" y="928328"/>
+              <a:ext cx="615692" cy="207959"/>
+            </a:xfrm>
+            <a:prstGeom prst="rect">
+              <a:avLst/>
+            </a:prstGeom>
+          </p:spPr>
+        </p:pic>
+      </p:grpSp>
+      <p:grpSp>
+        <p:nvGrpSpPr>
+          <p:cNvPr id="9" name="그룹 8"/>
+          <p:cNvGrpSpPr/>
+          <p:nvPr/>
+        </p:nvGrpSpPr>
+        <p:grpSpPr>
+          <a:xfrm>
+            <a:off x="6927922" y="2867025"/>
+            <a:ext cx="4212861" cy="4212861"/>
+            <a:chOff x="6809758" y="1612308"/>
+            <a:chExt cx="4212861" cy="4212861"/>
+          </a:xfrm>
+        </p:grpSpPr>
+        <p:pic>
+          <p:nvPicPr>
+            <p:cNvPr id="21" name="Object 19"/>
+            <p:cNvPicPr>
+              <a:picLocks noChangeAspect="1"/>
+            </p:cNvPicPr>
+            <p:nvPr/>
+          </p:nvPicPr>
+          <p:blipFill>
+            <a:blip r:embed="rId6" cstate="print"/>
+            <a:stretch>
+              <a:fillRect/>
+            </a:stretch>
+          </p:blipFill>
+          <p:spPr>
+            <a:xfrm>
+              <a:off x="6809758" y="1612308"/>
+              <a:ext cx="4212861" cy="4212861"/>
+            </a:xfrm>
+            <a:prstGeom prst="rect">
+              <a:avLst/>
+            </a:prstGeom>
+          </p:spPr>
+        </p:pic>
+      </p:grpSp>
+      <p:grpSp>
+        <p:nvGrpSpPr>
+          <p:cNvPr id="11" name="그룹 10"/>
+          <p:cNvGrpSpPr/>
+          <p:nvPr/>
+        </p:nvGrpSpPr>
+        <p:grpSpPr>
+          <a:xfrm>
+            <a:off x="7203763" y="2585709"/>
+            <a:ext cx="2827634" cy="2827634"/>
+            <a:chOff x="7502371" y="2304921"/>
+            <a:chExt cx="2827634" cy="2827634"/>
+          </a:xfrm>
+        </p:grpSpPr>
+        <p:pic>
+          <p:nvPicPr>
+            <p:cNvPr id="19" name="Object 25"/>
+            <p:cNvPicPr>
+              <a:picLocks noChangeAspect="1"/>
+            </p:cNvPicPr>
+            <p:nvPr/>
+          </p:nvPicPr>
+          <p:blipFill>
+            <a:blip r:embed="rId7" cstate="print"/>
+            <a:stretch>
+              <a:fillRect/>
+            </a:stretch>
+          </p:blipFill>
+          <p:spPr>
+            <a:xfrm>
+              <a:off x="7502371" y="2304921"/>
+              <a:ext cx="2827634" cy="2827634"/>
+            </a:xfrm>
+            <a:prstGeom prst="rect">
+              <a:avLst/>
+            </a:prstGeom>
+          </p:spPr>
+        </p:pic>
+      </p:grpSp>
+      <p:grpSp>
+        <p:nvGrpSpPr>
+          <p:cNvPr id="12" name="그룹 11"/>
+          <p:cNvGrpSpPr/>
+          <p:nvPr/>
+        </p:nvGrpSpPr>
+        <p:grpSpPr>
+          <a:xfrm>
+            <a:off x="5820290" y="4072619"/>
+            <a:ext cx="2827634" cy="2827634"/>
+            <a:chOff x="7502371" y="2304921"/>
+            <a:chExt cx="2827634" cy="2827634"/>
+          </a:xfrm>
+        </p:grpSpPr>
+        <p:pic>
+          <p:nvPicPr>
+            <p:cNvPr id="18" name="Object 28"/>
+            <p:cNvPicPr>
+              <a:picLocks noChangeAspect="1"/>
+            </p:cNvPicPr>
+            <p:nvPr/>
+          </p:nvPicPr>
+          <p:blipFill>
+            <a:blip r:embed="rId8" cstate="print"/>
+            <a:stretch>
+              <a:fillRect/>
+            </a:stretch>
+          </p:blipFill>
+          <p:spPr>
+            <a:xfrm>
+              <a:off x="7502371" y="2304921"/>
+              <a:ext cx="2827634" cy="2827634"/>
+            </a:xfrm>
+            <a:prstGeom prst="rect">
+              <a:avLst/>
+            </a:prstGeom>
+          </p:spPr>
+        </p:pic>
+      </p:grpSp>
+      <p:sp>
+        <p:nvSpPr>
+          <p:cNvPr id="30" name="TextBox 29"/>
+          <p:cNvSpPr txBox="1"/>
+          <p:nvPr/>
+        </p:nvSpPr>
+        <p:spPr>
+          <a:xfrm>
+            <a:off x="8300819" y="464306"/>
+            <a:ext cx="1467068" cy="523220"/>
+          </a:xfrm>
+          <a:prstGeom prst="rect">
+            <a:avLst/>
+          </a:prstGeom>
+          <a:noFill/>
+        </p:spPr>
+        <p:txBody>
+          <a:bodyPr wrap="none" rtlCol="0">
+            <a:spAutoFit/>
+          </a:bodyPr>
+          <a:lstStyle/>
+          <a:p>
+            <a:r>
+              <a:rPr lang="ko-KR" altLang="en-US" sz="2800" dirty="0" smtClean="0">
+                <a:latin typeface="나눔바른고딕" panose="020B0603020101020101" pitchFamily="50" charset="-127"/>
+                <a:ea typeface="나눔바른고딕" panose="020B0603020101020101" pitchFamily="50" charset="-127"/>
+              </a:rPr>
+              <a:t>회원가입</a:t>
+            </a:r>
+            <a:endParaRPr lang="ko-KR" altLang="en-US" sz="2800" dirty="0">
+              <a:latin typeface="나눔바른고딕" panose="020B0603020101020101" pitchFamily="50" charset="-127"/>
+              <a:ea typeface="나눔바른고딕" panose="020B0603020101020101" pitchFamily="50" charset="-127"/>
+            </a:endParaRPr>
+          </a:p>
+        </p:txBody>
+      </p:sp>
+      <p:grpSp>
+        <p:nvGrpSpPr>
+          <p:cNvPr id="10" name="그룹 9"/>
+          <p:cNvGrpSpPr/>
+          <p:nvPr/>
+        </p:nvGrpSpPr>
+        <p:grpSpPr>
+          <a:xfrm>
+            <a:off x="8617580" y="5479002"/>
+            <a:ext cx="2827634" cy="2827634"/>
+            <a:chOff x="5347619" y="2304921"/>
+            <a:chExt cx="2827634" cy="2827634"/>
+          </a:xfrm>
+        </p:grpSpPr>
+        <p:pic>
+          <p:nvPicPr>
+            <p:cNvPr id="20" name="Object 22"/>
+            <p:cNvPicPr>
+              <a:picLocks noChangeAspect="1"/>
+            </p:cNvPicPr>
+            <p:nvPr/>
+          </p:nvPicPr>
+          <p:blipFill>
+            <a:blip r:embed="rId9" cstate="print"/>
+            <a:stretch>
+              <a:fillRect/>
+            </a:stretch>
+          </p:blipFill>
+          <p:spPr>
+            <a:xfrm>
+              <a:off x="5347619" y="2304921"/>
+              <a:ext cx="2827634" cy="2827634"/>
+            </a:xfrm>
+            <a:prstGeom prst="rect">
+              <a:avLst/>
+            </a:prstGeom>
+          </p:spPr>
+        </p:pic>
+      </p:grpSp>
+      <p:pic>
+        <p:nvPicPr>
+          <p:cNvPr id="2" name="그림 1"/>
+          <p:cNvPicPr>
+            <a:picLocks noChangeAspect="1"/>
+          </p:cNvPicPr>
+          <p:nvPr/>
+        </p:nvPicPr>
+        <p:blipFill>
+          <a:blip r:embed="rId10">
+            <a:extLst>
+              <a:ext uri="{28A0092B-C50C-407E-A947-70E740481C1C}">
+                <a14:useLocalDpi xmlns:a14="http://schemas.microsoft.com/office/drawing/2010/main" val="0"/>
+              </a:ext>
+            </a:extLst>
+          </a:blip>
+          <a:stretch>
+            <a:fillRect/>
+          </a:stretch>
+        </p:blipFill>
+        <p:spPr>
+          <a:xfrm>
+            <a:off x="166687" y="1428188"/>
+            <a:ext cx="9821176" cy="4050814"/>
+          </a:xfrm>
+          <a:prstGeom prst="rect">
+            <a:avLst/>
+          </a:prstGeom>
+        </p:spPr>
+      </p:pic>
+    </p:spTree>
+    <p:extLst>
+      <p:ext uri="{BB962C8B-B14F-4D97-AF65-F5344CB8AC3E}">
+        <p14:creationId xmlns:p14="http://schemas.microsoft.com/office/powerpoint/2010/main" val="4169078288"/>
+      </p:ext>
+    </p:extLst>
+  </p:cSld>
+  <p:clrMapOvr>
+    <a:masterClrMapping/>
+  </p:clrMapOvr>
+</p:sld>
+</file>
+
+<file path=ppt/slides/slide12.xml><?xml version="1.0" encoding="utf-8"?>
+<p:sld xmlns:a="http://schemas.openxmlformats.org/drawingml/2006/main" xmlns:r="http://schemas.openxmlformats.org/officeDocument/2006/relationships" xmlns:p="http://schemas.openxmlformats.org/presentationml/2006/main">
+  <p:cSld>
+    <p:spTree>
+      <p:nvGrpSpPr>
+        <p:cNvPr id="1" name=""/>
+        <p:cNvGrpSpPr/>
+        <p:nvPr/>
+      </p:nvGrpSpPr>
+      <p:grpSpPr>
+        <a:xfrm>
+          <a:off x="0" y="0"/>
+          <a:ext cx="0" cy="0"/>
+          <a:chOff x="0" y="0"/>
+          <a:chExt cx="0" cy="0"/>
+        </a:xfrm>
+      </p:grpSpPr>
+      <p:grpSp>
+        <p:nvGrpSpPr>
+          <p:cNvPr id="1001" name="그룹 1001"/>
+          <p:cNvGrpSpPr/>
+          <p:nvPr/>
+        </p:nvGrpSpPr>
+        <p:grpSpPr>
+          <a:xfrm>
+            <a:off x="2246966" y="1612308"/>
+            <a:ext cx="4212861" cy="4212861"/>
+            <a:chOff x="2246966" y="1612308"/>
+            <a:chExt cx="4212861" cy="4212861"/>
+          </a:xfrm>
+        </p:grpSpPr>
+        <p:pic>
+          <p:nvPicPr>
+            <p:cNvPr id="3" name="Object 2"/>
+            <p:cNvPicPr>
+              <a:picLocks noChangeAspect="1"/>
+            </p:cNvPicPr>
+            <p:nvPr/>
+          </p:nvPicPr>
+          <p:blipFill>
+            <a:blip r:embed="rId2" cstate="print"/>
+            <a:stretch>
+              <a:fillRect/>
+            </a:stretch>
+          </p:blipFill>
+          <p:spPr>
+            <a:xfrm>
+              <a:off x="2246966" y="1612308"/>
+              <a:ext cx="4212861" cy="4212861"/>
+            </a:xfrm>
+            <a:prstGeom prst="rect">
+              <a:avLst/>
+            </a:prstGeom>
+          </p:spPr>
+        </p:pic>
+      </p:grpSp>
+      <p:grpSp>
+        <p:nvGrpSpPr>
+          <p:cNvPr id="1002" name="그룹 1002"/>
+          <p:cNvGrpSpPr/>
+          <p:nvPr/>
+        </p:nvGrpSpPr>
+        <p:grpSpPr>
+          <a:xfrm>
+            <a:off x="784828" y="2304921"/>
+            <a:ext cx="2827634" cy="2827634"/>
+            <a:chOff x="784828" y="2304921"/>
+            <a:chExt cx="2827634" cy="2827634"/>
+          </a:xfrm>
+        </p:grpSpPr>
+        <p:pic>
+          <p:nvPicPr>
+            <p:cNvPr id="6" name="Object 5"/>
+            <p:cNvPicPr>
+              <a:picLocks noChangeAspect="1"/>
+            </p:cNvPicPr>
+            <p:nvPr/>
+          </p:nvPicPr>
+          <p:blipFill>
+            <a:blip r:embed="rId3" cstate="print"/>
+            <a:stretch>
+              <a:fillRect/>
+            </a:stretch>
+          </p:blipFill>
+          <p:spPr>
+            <a:xfrm>
+              <a:off x="784828" y="2304921"/>
+              <a:ext cx="2827634" cy="2827634"/>
+            </a:xfrm>
+            <a:prstGeom prst="rect">
+              <a:avLst/>
+            </a:prstGeom>
+          </p:spPr>
+        </p:pic>
+      </p:grpSp>
+      <p:grpSp>
+        <p:nvGrpSpPr>
+          <p:cNvPr id="1003" name="그룹 1003"/>
+          <p:cNvGrpSpPr/>
+          <p:nvPr/>
+        </p:nvGrpSpPr>
+        <p:grpSpPr>
+          <a:xfrm>
+            <a:off x="2939580" y="2304921"/>
+            <a:ext cx="2827634" cy="2827634"/>
+            <a:chOff x="2939580" y="2304921"/>
+            <a:chExt cx="2827634" cy="2827634"/>
+          </a:xfrm>
+        </p:grpSpPr>
+        <p:pic>
+          <p:nvPicPr>
+            <p:cNvPr id="9" name="Object 8"/>
+            <p:cNvPicPr>
+              <a:picLocks noChangeAspect="1"/>
+            </p:cNvPicPr>
+            <p:nvPr/>
+          </p:nvPicPr>
+          <p:blipFill>
+            <a:blip r:embed="rId4" cstate="print"/>
+            <a:stretch>
+              <a:fillRect/>
+            </a:stretch>
+          </p:blipFill>
+          <p:spPr>
+            <a:xfrm>
+              <a:off x="2939580" y="2304921"/>
+              <a:ext cx="2827634" cy="2827634"/>
+            </a:xfrm>
+            <a:prstGeom prst="rect">
+              <a:avLst/>
+            </a:prstGeom>
+          </p:spPr>
+        </p:pic>
+      </p:grpSp>
+      <p:grpSp>
+        <p:nvGrpSpPr>
+          <p:cNvPr id="1004" name="그룹 1004"/>
+          <p:cNvGrpSpPr/>
+          <p:nvPr/>
+        </p:nvGrpSpPr>
+        <p:grpSpPr>
+          <a:xfrm>
+            <a:off x="2939580" y="2304921"/>
+            <a:ext cx="2827634" cy="2827634"/>
+            <a:chOff x="2939580" y="2304921"/>
+            <a:chExt cx="2827634" cy="2827634"/>
+          </a:xfrm>
+        </p:grpSpPr>
+        <p:pic>
+          <p:nvPicPr>
+            <p:cNvPr id="12" name="Object 11"/>
+            <p:cNvPicPr>
+              <a:picLocks noChangeAspect="1"/>
+            </p:cNvPicPr>
+            <p:nvPr/>
+          </p:nvPicPr>
+          <p:blipFill>
+            <a:blip r:embed="rId5" cstate="print"/>
+            <a:stretch>
+              <a:fillRect/>
+            </a:stretch>
+          </p:blipFill>
+          <p:spPr>
+            <a:xfrm>
+              <a:off x="2939580" y="2304921"/>
+              <a:ext cx="2827634" cy="2827634"/>
+            </a:xfrm>
+            <a:prstGeom prst="rect">
+              <a:avLst/>
+            </a:prstGeom>
+          </p:spPr>
+        </p:pic>
+      </p:grpSp>
+      <p:grpSp>
+        <p:nvGrpSpPr>
+          <p:cNvPr id="1005" name="그룹 1005"/>
+          <p:cNvGrpSpPr/>
+          <p:nvPr/>
+        </p:nvGrpSpPr>
+        <p:grpSpPr>
+          <a:xfrm>
+            <a:off x="8458943" y="3306710"/>
+            <a:ext cx="1549924" cy="152070"/>
+            <a:chOff x="8458943" y="3306710"/>
+            <a:chExt cx="1549924" cy="152070"/>
+          </a:xfrm>
+        </p:grpSpPr>
+        <p:pic>
+          <p:nvPicPr>
+            <p:cNvPr id="16" name="Object 15"/>
+            <p:cNvPicPr>
+              <a:picLocks noChangeAspect="1"/>
+            </p:cNvPicPr>
+            <p:nvPr/>
+          </p:nvPicPr>
+          <p:blipFill>
+            <a:blip r:embed="rId6" cstate="print"/>
+            <a:stretch>
+              <a:fillRect/>
+            </a:stretch>
+          </p:blipFill>
+          <p:spPr>
+            <a:xfrm>
+              <a:off x="8458943" y="3306710"/>
+              <a:ext cx="1549924" cy="152070"/>
+            </a:xfrm>
+            <a:prstGeom prst="rect">
+              <a:avLst/>
+            </a:prstGeom>
+          </p:spPr>
+        </p:pic>
+      </p:grpSp>
+      <p:sp>
+        <p:nvSpPr>
+          <p:cNvPr id="2" name="TextBox 1"/>
+          <p:cNvSpPr txBox="1"/>
+          <p:nvPr/>
+        </p:nvSpPr>
+        <p:spPr>
+          <a:xfrm>
+            <a:off x="3880332" y="3166392"/>
+            <a:ext cx="1098378" cy="707886"/>
+          </a:xfrm>
+          <a:prstGeom prst="rect">
+            <a:avLst/>
+          </a:prstGeom>
+          <a:noFill/>
+        </p:spPr>
+        <p:txBody>
+          <a:bodyPr wrap="none" rtlCol="0">
+            <a:spAutoFit/>
+          </a:bodyPr>
+          <a:lstStyle/>
+          <a:p>
+            <a:r>
+              <a:rPr lang="ko-KR" altLang="en-US" sz="4000" b="1" dirty="0" smtClean="0">
+                <a:latin typeface="나눔바른고딕" panose="020B0603020101020101" pitchFamily="50" charset="-127"/>
+                <a:ea typeface="나눔바른고딕" panose="020B0603020101020101" pitchFamily="50" charset="-127"/>
+              </a:rPr>
+              <a:t>시</a:t>
+            </a:r>
+            <a:r>
+              <a:rPr lang="ko-KR" altLang="en-US" sz="4000" b="1" dirty="0">
+                <a:latin typeface="나눔바른고딕" panose="020B0603020101020101" pitchFamily="50" charset="-127"/>
+                <a:ea typeface="나눔바른고딕" panose="020B0603020101020101" pitchFamily="50" charset="-127"/>
+              </a:rPr>
+              <a:t>연</a:t>
+            </a:r>
           </a:p>
         </p:txBody>
       </p:sp>
@@ -3642,7 +4345,7 @@
 </p:sld>
 </file>
 
-<file path=ppt/slides/slide11.xml><?xml version="1.0" encoding="utf-8"?>
+<file path=ppt/slides/slide13.xml><?xml version="1.0" encoding="utf-8"?>
 <p:sld xmlns:a="http://schemas.openxmlformats.org/drawingml/2006/main" xmlns:r="http://schemas.openxmlformats.org/officeDocument/2006/relationships" xmlns:p="http://schemas.openxmlformats.org/presentationml/2006/main">
   <p:cSld name="Slide 8">
     <p:bg>
@@ -4208,7 +4911,7 @@
         <p:spPr>
           <a:xfrm>
             <a:off x="5088203" y="3144835"/>
-            <a:ext cx="5346700" cy="1384995"/>
+            <a:ext cx="5346700" cy="1815882"/>
           </a:xfrm>
           <a:prstGeom prst="rect">
             <a:avLst/>
@@ -4253,6 +4956,29 @@
               </a:rPr>
               <a:t>주요 기능 설명</a:t>
             </a:r>
+            <a:endParaRPr lang="en-US" altLang="ko-KR" sz="2800" dirty="0" smtClean="0">
+              <a:latin typeface="나눔스퀘어_ac Bold" panose="020B0600000101010101" pitchFamily="50" charset="-127"/>
+              <a:ea typeface="나눔스퀘어_ac Bold" panose="020B0600000101010101" pitchFamily="50" charset="-127"/>
+            </a:endParaRPr>
+          </a:p>
+          <a:p>
+            <a:pPr marL="342900" indent="-342900">
+              <a:buAutoNum type="arabicPeriod"/>
+            </a:pPr>
+            <a:r>
+              <a:rPr lang="ko-KR" altLang="en-US" sz="2800" dirty="0" err="1" smtClean="0">
+                <a:latin typeface="나눔스퀘어_ac Bold" panose="020B0600000101010101" pitchFamily="50" charset="-127"/>
+                <a:ea typeface="나눔스퀘어_ac Bold" panose="020B0600000101010101" pitchFamily="50" charset="-127"/>
+              </a:rPr>
+              <a:t>플로우</a:t>
+            </a:r>
+            <a:r>
+              <a:rPr lang="ko-KR" altLang="en-US" sz="2800" dirty="0" smtClean="0">
+                <a:latin typeface="나눔스퀘어_ac Bold" panose="020B0600000101010101" pitchFamily="50" charset="-127"/>
+                <a:ea typeface="나눔스퀘어_ac Bold" panose="020B0600000101010101" pitchFamily="50" charset="-127"/>
+              </a:rPr>
+              <a:t> 차트</a:t>
+            </a:r>
             <a:endParaRPr lang="en-US" altLang="ko-KR" sz="2800" dirty="0">
               <a:latin typeface="나눔스퀘어_ac Bold" panose="020B0600000101010101" pitchFamily="50" charset="-127"/>
               <a:ea typeface="나눔스퀘어_ac Bold" panose="020B0600000101010101" pitchFamily="50" charset="-127"/>
@@ -4263,11 +4989,11 @@
               <a:buAutoNum type="arabicPeriod"/>
             </a:pPr>
             <a:r>
-              <a:rPr lang="ko-KR" altLang="en-US" sz="2800" dirty="0">
+              <a:rPr lang="ko-KR" altLang="en-US" sz="2800" dirty="0" smtClean="0">
                 <a:latin typeface="나눔스퀘어_ac Bold" panose="020B0600000101010101" pitchFamily="50" charset="-127"/>
                 <a:ea typeface="나눔스퀘어_ac Bold" panose="020B0600000101010101" pitchFamily="50" charset="-127"/>
               </a:rPr>
-              <a:t>시현</a:t>
+              <a:t>시연</a:t>
             </a:r>
             <a:endParaRPr lang="en-US" altLang="ko-KR" sz="2800" dirty="0">
               <a:latin typeface="나눔스퀘어_ac Bold" panose="020B0600000101010101" pitchFamily="50" charset="-127"/>
@@ -6627,21 +7353,7 @@
                 <a:latin typeface="나눔바른고딕" panose="020B0603020101020101" pitchFamily="50" charset="-127"/>
                 <a:ea typeface="나눔바른고딕" panose="020B0603020101020101" pitchFamily="50" charset="-127"/>
               </a:rPr>
-              <a:t>추가 된 글 데이터를 </a:t>
-            </a:r>
-            <a:r>
-              <a:rPr lang="ko-KR" altLang="en-US" dirty="0" smtClean="0">
-                <a:latin typeface="나눔바른고딕" panose="020B0603020101020101" pitchFamily="50" charset="-127"/>
-                <a:ea typeface="나눔바른고딕" panose="020B0603020101020101" pitchFamily="50" charset="-127"/>
-              </a:rPr>
-              <a:t>게시 글 </a:t>
-            </a:r>
-            <a:r>
-              <a:rPr lang="ko-KR" altLang="en-US" dirty="0" smtClean="0">
-                <a:latin typeface="나눔바른고딕" panose="020B0603020101020101" pitchFamily="50" charset="-127"/>
-                <a:ea typeface="나눔바른고딕" panose="020B0603020101020101" pitchFamily="50" charset="-127"/>
-              </a:rPr>
-              <a:t>파일에 추가</a:t>
+              <a:t>추가 된 글 데이터를 게시 글 파일에 추가</a:t>
             </a:r>
             <a:endParaRPr lang="ko-KR" altLang="en-US" dirty="0">
               <a:latin typeface="나눔바른고딕" panose="020B0603020101020101" pitchFamily="50" charset="-127"/>
